--- a/Board Description.pptx
+++ b/Board Description.pptx
@@ -6,9 +6,13 @@
   </p:sldMasterIdLst>
   <p:sldIdLst>
     <p:sldId id="256" r:id="rId2"/>
-    <p:sldId id="257" r:id="rId3"/>
-    <p:sldId id="258" r:id="rId4"/>
-    <p:sldId id="259" r:id="rId5"/>
+    <p:sldId id="260" r:id="rId3"/>
+    <p:sldId id="262" r:id="rId4"/>
+    <p:sldId id="263" r:id="rId5"/>
+    <p:sldId id="264" r:id="rId6"/>
+    <p:sldId id="265" r:id="rId7"/>
+    <p:sldId id="266" r:id="rId8"/>
+    <p:sldId id="267" r:id="rId9"/>
   </p:sldIdLst>
   <p:sldSz cx="12192000" cy="6858000"/>
   <p:notesSz cx="6858000" cy="9144000"/>
@@ -107,6 +111,27 @@
       </a:defRPr>
     </a:lvl9pPr>
   </p:defaultTextStyle>
+  <p:extLst>
+    <p:ext uri="{521415D9-36F7-43E2-AB2F-B90AF26B5E84}">
+      <p14:sectionLst xmlns:p14="http://schemas.microsoft.com/office/powerpoint/2010/main">
+        <p14:section name="기본 구역" id="{1BDD10B8-00F1-4B6C-BAF1-29B60834D4F8}">
+          <p14:sldIdLst>
+            <p14:sldId id="256"/>
+            <p14:sldId id="260"/>
+            <p14:sldId id="262"/>
+            <p14:sldId id="263"/>
+            <p14:sldId id="264"/>
+            <p14:sldId id="265"/>
+            <p14:sldId id="266"/>
+            <p14:sldId id="267"/>
+          </p14:sldIdLst>
+        </p14:section>
+      </p14:sectionLst>
+    </p:ext>
+    <p:ext uri="{EFAFB233-063F-42B5-8137-9DF3F51BA10A}">
+      <p15:sldGuideLst xmlns:p15="http://schemas.microsoft.com/office/powerpoint/2012/main"/>
+    </p:ext>
+  </p:extLst>
 </p:presentation>
 </file>
 
@@ -296,7 +321,7 @@
           <a:p>
             <a:fld id="{4AAD347D-5ACD-4C99-B74B-A9C85AD731AF}" type="datetimeFigureOut">
               <a:rPr lang="en-US" dirty="0"/>
-              <a:t>2/10/2021</a:t>
+              <a:t>3/10/2021</a:t>
             </a:fld>
             <a:endParaRPr lang="en-US" dirty="0"/>
           </a:p>
@@ -566,7 +591,7 @@
           <a:p>
             <a:fld id="{4509A250-FF31-4206-8172-F9D3106AACB1}" type="datetimeFigureOut">
               <a:rPr lang="en-US" dirty="0"/>
-              <a:t>2/10/2021</a:t>
+              <a:t>3/10/2021</a:t>
             </a:fld>
             <a:endParaRPr lang="en-US" dirty="0"/>
           </a:p>
@@ -755,7 +780,7 @@
           <a:p>
             <a:fld id="{4509A250-FF31-4206-8172-F9D3106AACB1}" type="datetimeFigureOut">
               <a:rPr lang="en-US" dirty="0"/>
-              <a:t>2/10/2021</a:t>
+              <a:t>3/10/2021</a:t>
             </a:fld>
             <a:endParaRPr lang="en-US" dirty="0"/>
           </a:p>
@@ -1023,7 +1048,7 @@
           <a:p>
             <a:fld id="{4509A250-FF31-4206-8172-F9D3106AACB1}" type="datetimeFigureOut">
               <a:rPr lang="en-US" dirty="0"/>
-              <a:t>2/10/2021</a:t>
+              <a:t>3/10/2021</a:t>
             </a:fld>
             <a:endParaRPr lang="en-US" dirty="0"/>
           </a:p>
@@ -1359,7 +1384,7 @@
           <a:p>
             <a:fld id="{4509A250-FF31-4206-8172-F9D3106AACB1}" type="datetimeFigureOut">
               <a:rPr lang="en-US" dirty="0"/>
-              <a:t>2/10/2021</a:t>
+              <a:t>3/10/2021</a:t>
             </a:fld>
             <a:endParaRPr lang="en-US" dirty="0"/>
           </a:p>
@@ -1977,7 +2002,7 @@
           <a:p>
             <a:fld id="{4509A250-FF31-4206-8172-F9D3106AACB1}" type="datetimeFigureOut">
               <a:rPr lang="en-US" dirty="0"/>
-              <a:t>2/10/2021</a:t>
+              <a:t>3/10/2021</a:t>
             </a:fld>
             <a:endParaRPr lang="en-US" dirty="0"/>
           </a:p>
@@ -2832,7 +2857,7 @@
           <a:p>
             <a:fld id="{4509A250-FF31-4206-8172-F9D3106AACB1}" type="datetimeFigureOut">
               <a:rPr lang="en-US" dirty="0"/>
-              <a:t>2/10/2021</a:t>
+              <a:t>3/10/2021</a:t>
             </a:fld>
             <a:endParaRPr lang="en-US" dirty="0"/>
           </a:p>
@@ -2997,7 +3022,7 @@
           <a:p>
             <a:fld id="{4509A250-FF31-4206-8172-F9D3106AACB1}" type="datetimeFigureOut">
               <a:rPr lang="en-US" dirty="0"/>
-              <a:t>2/10/2021</a:t>
+              <a:t>3/10/2021</a:t>
             </a:fld>
             <a:endParaRPr lang="en-US" dirty="0"/>
           </a:p>
@@ -3172,7 +3197,7 @@
           <a:p>
             <a:fld id="{4509A250-FF31-4206-8172-F9D3106AACB1}" type="datetimeFigureOut">
               <a:rPr lang="en-US" dirty="0"/>
-              <a:t>2/10/2021</a:t>
+              <a:t>3/10/2021</a:t>
             </a:fld>
             <a:endParaRPr lang="en-US" dirty="0"/>
           </a:p>
@@ -3337,7 +3362,7 @@
           <a:p>
             <a:fld id="{4509A250-FF31-4206-8172-F9D3106AACB1}" type="datetimeFigureOut">
               <a:rPr lang="en-US" dirty="0"/>
-              <a:t>2/10/2021</a:t>
+              <a:t>3/10/2021</a:t>
             </a:fld>
             <a:endParaRPr lang="en-US" dirty="0"/>
           </a:p>
@@ -3579,7 +3604,7 @@
           <a:p>
             <a:fld id="{9796027F-7875-4030-9381-8BD8C4F21935}" type="datetimeFigureOut">
               <a:rPr lang="en-US" dirty="0"/>
-              <a:t>2/10/2021</a:t>
+              <a:t>3/10/2021</a:t>
             </a:fld>
             <a:endParaRPr lang="en-US" dirty="0"/>
           </a:p>
@@ -3866,7 +3891,7 @@
           <a:p>
             <a:fld id="{9796027F-7875-4030-9381-8BD8C4F21935}" type="datetimeFigureOut">
               <a:rPr lang="en-US" dirty="0"/>
-              <a:t>2/10/2021</a:t>
+              <a:t>3/10/2021</a:t>
             </a:fld>
             <a:endParaRPr lang="en-US" dirty="0"/>
           </a:p>
@@ -4305,7 +4330,7 @@
           <a:p>
             <a:fld id="{9796027F-7875-4030-9381-8BD8C4F21935}" type="datetimeFigureOut">
               <a:rPr lang="en-US" dirty="0"/>
-              <a:t>2/10/2021</a:t>
+              <a:t>3/10/2021</a:t>
             </a:fld>
             <a:endParaRPr lang="en-US" dirty="0"/>
           </a:p>
@@ -4418,7 +4443,7 @@
           <a:p>
             <a:fld id="{4509A250-FF31-4206-8172-F9D3106AACB1}" type="datetimeFigureOut">
               <a:rPr lang="en-US" dirty="0"/>
-              <a:t>2/10/2021</a:t>
+              <a:t>3/10/2021</a:t>
             </a:fld>
             <a:endParaRPr lang="en-US" dirty="0"/>
           </a:p>
@@ -4508,7 +4533,7 @@
           <a:p>
             <a:fld id="{4509A250-FF31-4206-8172-F9D3106AACB1}" type="datetimeFigureOut">
               <a:rPr lang="en-US" dirty="0"/>
-              <a:t>2/10/2021</a:t>
+              <a:t>3/10/2021</a:t>
             </a:fld>
             <a:endParaRPr lang="en-US" dirty="0"/>
           </a:p>
@@ -4782,7 +4807,7 @@
           <a:p>
             <a:fld id="{4509A250-FF31-4206-8172-F9D3106AACB1}" type="datetimeFigureOut">
               <a:rPr lang="en-US" dirty="0"/>
-              <a:t>2/10/2021</a:t>
+              <a:t>3/10/2021</a:t>
             </a:fld>
             <a:endParaRPr lang="en-US" dirty="0"/>
           </a:p>
@@ -5052,7 +5077,7 @@
           <a:p>
             <a:fld id="{4509A250-FF31-4206-8172-F9D3106AACB1}" type="datetimeFigureOut">
               <a:rPr lang="en-US" dirty="0"/>
-              <a:t>2/10/2021</a:t>
+              <a:t>3/10/2021</a:t>
             </a:fld>
             <a:endParaRPr lang="en-US" dirty="0"/>
           </a:p>
@@ -5476,7 +5501,7 @@
           <a:p>
             <a:fld id="{4AAD347D-5ACD-4C99-B74B-A9C85AD731AF}" type="datetimeFigureOut">
               <a:rPr lang="en-US" dirty="0"/>
-              <a:t>2/10/2021</a:t>
+              <a:t>3/10/2021</a:t>
             </a:fld>
             <a:endParaRPr lang="en-US" dirty="0"/>
           </a:p>
@@ -6016,42 +6041,326 @@
             <p:ph type="ctrTitle"/>
           </p:nvPr>
         </p:nvSpPr>
-        <p:spPr/>
+        <p:spPr>
+          <a:xfrm>
+            <a:off x="1154955" y="1300293"/>
+            <a:ext cx="7619929" cy="1346283"/>
+          </a:xfrm>
+        </p:spPr>
         <p:txBody>
           <a:bodyPr/>
           <a:lstStyle/>
           <a:p>
             <a:r>
-              <a:rPr lang="ko-KR" altLang="en-US" dirty="0"/>
-              <a:t>게시판 설명</a:t>
-            </a:r>
-          </a:p>
-        </p:txBody>
-      </p:sp>
-      <p:sp>
-        <p:nvSpPr>
-          <p:cNvPr id="3" name="부제목 2">
+              <a:rPr lang="ko-KR" altLang="en-US" sz="4400" dirty="0"/>
+              <a:t>게시판 웹 어플리케이션 설명</a:t>
+            </a:r>
+          </a:p>
+        </p:txBody>
+      </p:sp>
+      <p:sp>
+        <p:nvSpPr>
+          <p:cNvPr id="5" name="내용 개체 틀 2">
             <a:extLst>
               <a:ext uri="{FF2B5EF4-FFF2-40B4-BE49-F238E27FC236}">
-                <a16:creationId xmlns:a16="http://schemas.microsoft.com/office/drawing/2014/main" id="{8E2EB9A3-2F0C-469F-9A18-CD7BC0A1011F}"/>
+                <a16:creationId xmlns:a16="http://schemas.microsoft.com/office/drawing/2014/main" id="{B3E00A3B-B929-4F9D-BCC9-ED84DAC14C37}"/>
               </a:ext>
             </a:extLst>
           </p:cNvPr>
-          <p:cNvSpPr>
-            <a:spLocks noGrp="1"/>
-          </p:cNvSpPr>
-          <p:nvPr>
-            <p:ph type="subTitle" idx="1"/>
-          </p:nvPr>
-        </p:nvSpPr>
-        <p:spPr/>
-        <p:txBody>
-          <a:bodyPr/>
-          <a:lstStyle/>
-          <a:p>
-            <a:r>
-              <a:rPr lang="ko-KR" altLang="en-US" dirty="0"/>
-              <a:t>최윤호</a:t>
+          <p:cNvSpPr txBox="1">
+            <a:spLocks/>
+          </p:cNvSpPr>
+          <p:nvPr/>
+        </p:nvSpPr>
+        <p:spPr>
+          <a:xfrm>
+            <a:off x="1154955" y="3478636"/>
+            <a:ext cx="8946541" cy="1730927"/>
+          </a:xfrm>
+          <a:prstGeom prst="rect">
+            <a:avLst/>
+          </a:prstGeom>
+        </p:spPr>
+        <p:txBody>
+          <a:bodyPr vert="horz" lIns="91440" tIns="45720" rIns="91440" bIns="45720" rtlCol="0" anchor="t">
+            <a:normAutofit/>
+          </a:bodyPr>
+          <a:lstStyle>
+            <a:lvl1pPr marL="0" indent="0" algn="l" defTabSz="457200" rtl="0" eaLnBrk="1" latinLnBrk="1" hangingPunct="1">
+              <a:spcBef>
+                <a:spcPts val="1000"/>
+              </a:spcBef>
+              <a:spcAft>
+                <a:spcPts val="0"/>
+              </a:spcAft>
+              <a:buClr>
+                <a:schemeClr val="bg2">
+                  <a:lumMod val="40000"/>
+                  <a:lumOff val="60000"/>
+                </a:schemeClr>
+              </a:buClr>
+              <a:buSzPct val="80000"/>
+              <a:buFont typeface="Wingdings 3" charset="2"/>
+              <a:buNone/>
+              <a:defRPr sz="2000" b="0" i="0" kern="1200" cap="all">
+                <a:solidFill>
+                  <a:schemeClr val="bg2">
+                    <a:lumMod val="40000"/>
+                    <a:lumOff val="60000"/>
+                  </a:schemeClr>
+                </a:solidFill>
+                <a:latin typeface="+mj-lt"/>
+                <a:ea typeface="+mj-ea"/>
+                <a:cs typeface="+mj-cs"/>
+              </a:defRPr>
+            </a:lvl1pPr>
+            <a:lvl2pPr marL="457200" indent="0" algn="ctr" defTabSz="457200" rtl="0" eaLnBrk="1" latinLnBrk="1" hangingPunct="1">
+              <a:spcBef>
+                <a:spcPts val="1000"/>
+              </a:spcBef>
+              <a:spcAft>
+                <a:spcPts val="0"/>
+              </a:spcAft>
+              <a:buClr>
+                <a:schemeClr val="bg2">
+                  <a:lumMod val="40000"/>
+                  <a:lumOff val="60000"/>
+                </a:schemeClr>
+              </a:buClr>
+              <a:buSzPct val="80000"/>
+              <a:buFont typeface="Wingdings 3" charset="2"/>
+              <a:buNone/>
+              <a:defRPr sz="1800" b="0" i="0" kern="1200">
+                <a:solidFill>
+                  <a:schemeClr val="tx1">
+                    <a:tint val="75000"/>
+                  </a:schemeClr>
+                </a:solidFill>
+                <a:latin typeface="+mj-lt"/>
+                <a:ea typeface="+mj-ea"/>
+                <a:cs typeface="+mj-cs"/>
+              </a:defRPr>
+            </a:lvl2pPr>
+            <a:lvl3pPr marL="914400" indent="0" algn="ctr" defTabSz="457200" rtl="0" eaLnBrk="1" latinLnBrk="1" hangingPunct="1">
+              <a:spcBef>
+                <a:spcPts val="1000"/>
+              </a:spcBef>
+              <a:spcAft>
+                <a:spcPts val="0"/>
+              </a:spcAft>
+              <a:buClr>
+                <a:schemeClr val="bg2">
+                  <a:lumMod val="40000"/>
+                  <a:lumOff val="60000"/>
+                </a:schemeClr>
+              </a:buClr>
+              <a:buSzPct val="80000"/>
+              <a:buFont typeface="Wingdings 3" charset="2"/>
+              <a:buNone/>
+              <a:defRPr sz="1600" b="0" i="0" kern="1200">
+                <a:solidFill>
+                  <a:schemeClr val="tx1">
+                    <a:tint val="75000"/>
+                  </a:schemeClr>
+                </a:solidFill>
+                <a:latin typeface="+mj-lt"/>
+                <a:ea typeface="+mj-ea"/>
+                <a:cs typeface="+mj-cs"/>
+              </a:defRPr>
+            </a:lvl3pPr>
+            <a:lvl4pPr marL="1371600" indent="0" algn="ctr" defTabSz="457200" rtl="0" eaLnBrk="1" latinLnBrk="1" hangingPunct="1">
+              <a:spcBef>
+                <a:spcPts val="1000"/>
+              </a:spcBef>
+              <a:spcAft>
+                <a:spcPts val="0"/>
+              </a:spcAft>
+              <a:buClr>
+                <a:schemeClr val="bg2">
+                  <a:lumMod val="40000"/>
+                  <a:lumOff val="60000"/>
+                </a:schemeClr>
+              </a:buClr>
+              <a:buSzPct val="80000"/>
+              <a:buFont typeface="Wingdings 3" charset="2"/>
+              <a:buNone/>
+              <a:defRPr sz="1400" b="0" i="0" kern="1200">
+                <a:solidFill>
+                  <a:schemeClr val="tx1">
+                    <a:tint val="75000"/>
+                  </a:schemeClr>
+                </a:solidFill>
+                <a:latin typeface="+mj-lt"/>
+                <a:ea typeface="+mj-ea"/>
+                <a:cs typeface="+mj-cs"/>
+              </a:defRPr>
+            </a:lvl4pPr>
+            <a:lvl5pPr marL="1828800" indent="0" algn="ctr" defTabSz="457200" rtl="0" eaLnBrk="1" latinLnBrk="1" hangingPunct="1">
+              <a:spcBef>
+                <a:spcPts val="1000"/>
+              </a:spcBef>
+              <a:spcAft>
+                <a:spcPts val="0"/>
+              </a:spcAft>
+              <a:buClr>
+                <a:schemeClr val="bg2">
+                  <a:lumMod val="40000"/>
+                  <a:lumOff val="60000"/>
+                </a:schemeClr>
+              </a:buClr>
+              <a:buSzPct val="80000"/>
+              <a:buFont typeface="Wingdings 3" charset="2"/>
+              <a:buNone/>
+              <a:defRPr sz="1400" b="0" i="0" kern="1200">
+                <a:solidFill>
+                  <a:schemeClr val="tx1">
+                    <a:tint val="75000"/>
+                  </a:schemeClr>
+                </a:solidFill>
+                <a:latin typeface="+mj-lt"/>
+                <a:ea typeface="+mj-ea"/>
+                <a:cs typeface="+mj-cs"/>
+              </a:defRPr>
+            </a:lvl5pPr>
+            <a:lvl6pPr marL="2286000" indent="0" algn="ctr" defTabSz="457200" rtl="0" eaLnBrk="1" latinLnBrk="1" hangingPunct="1">
+              <a:spcBef>
+                <a:spcPts val="1000"/>
+              </a:spcBef>
+              <a:spcAft>
+                <a:spcPts val="0"/>
+              </a:spcAft>
+              <a:buClr>
+                <a:schemeClr val="bg2">
+                  <a:lumMod val="40000"/>
+                  <a:lumOff val="60000"/>
+                </a:schemeClr>
+              </a:buClr>
+              <a:buSzPct val="80000"/>
+              <a:buFont typeface="Wingdings 3" charset="2"/>
+              <a:buNone/>
+              <a:defRPr sz="1400" b="0" i="0" kern="1200">
+                <a:solidFill>
+                  <a:schemeClr val="tx1">
+                    <a:tint val="75000"/>
+                  </a:schemeClr>
+                </a:solidFill>
+                <a:latin typeface="+mj-lt"/>
+                <a:ea typeface="+mj-ea"/>
+                <a:cs typeface="+mj-cs"/>
+              </a:defRPr>
+            </a:lvl6pPr>
+            <a:lvl7pPr marL="2743200" indent="0" algn="ctr" defTabSz="457200" rtl="0" eaLnBrk="1" latinLnBrk="1" hangingPunct="1">
+              <a:spcBef>
+                <a:spcPts val="1000"/>
+              </a:spcBef>
+              <a:spcAft>
+                <a:spcPts val="0"/>
+              </a:spcAft>
+              <a:buClr>
+                <a:schemeClr val="bg2">
+                  <a:lumMod val="40000"/>
+                  <a:lumOff val="60000"/>
+                </a:schemeClr>
+              </a:buClr>
+              <a:buSzPct val="80000"/>
+              <a:buFont typeface="Wingdings 3" charset="2"/>
+              <a:buNone/>
+              <a:defRPr sz="1400" b="0" i="0" kern="1200">
+                <a:solidFill>
+                  <a:schemeClr val="tx1">
+                    <a:tint val="75000"/>
+                  </a:schemeClr>
+                </a:solidFill>
+                <a:latin typeface="+mj-lt"/>
+                <a:ea typeface="+mj-ea"/>
+                <a:cs typeface="+mj-cs"/>
+              </a:defRPr>
+            </a:lvl7pPr>
+            <a:lvl8pPr marL="3200400" indent="0" algn="ctr" defTabSz="457200" rtl="0" eaLnBrk="1" latinLnBrk="1" hangingPunct="1">
+              <a:spcBef>
+                <a:spcPts val="1000"/>
+              </a:spcBef>
+              <a:spcAft>
+                <a:spcPts val="0"/>
+              </a:spcAft>
+              <a:buClr>
+                <a:schemeClr val="bg2">
+                  <a:lumMod val="40000"/>
+                  <a:lumOff val="60000"/>
+                </a:schemeClr>
+              </a:buClr>
+              <a:buSzPct val="80000"/>
+              <a:buFont typeface="Wingdings 3" charset="2"/>
+              <a:buNone/>
+              <a:defRPr sz="1400" b="0" i="0" kern="1200">
+                <a:solidFill>
+                  <a:schemeClr val="tx1">
+                    <a:tint val="75000"/>
+                  </a:schemeClr>
+                </a:solidFill>
+                <a:latin typeface="+mj-lt"/>
+                <a:ea typeface="+mj-ea"/>
+                <a:cs typeface="+mj-cs"/>
+              </a:defRPr>
+            </a:lvl8pPr>
+            <a:lvl9pPr marL="3657600" indent="0" algn="ctr" defTabSz="457200" rtl="0" eaLnBrk="1" latinLnBrk="1" hangingPunct="1">
+              <a:spcBef>
+                <a:spcPts val="1000"/>
+              </a:spcBef>
+              <a:spcAft>
+                <a:spcPts val="0"/>
+              </a:spcAft>
+              <a:buClr>
+                <a:schemeClr val="bg2">
+                  <a:lumMod val="40000"/>
+                  <a:lumOff val="60000"/>
+                </a:schemeClr>
+              </a:buClr>
+              <a:buSzPct val="80000"/>
+              <a:buFont typeface="Wingdings 3" charset="2"/>
+              <a:buNone/>
+              <a:defRPr sz="1400" b="0" i="0" kern="1200">
+                <a:solidFill>
+                  <a:schemeClr val="tx1">
+                    <a:tint val="75000"/>
+                  </a:schemeClr>
+                </a:solidFill>
+                <a:latin typeface="+mj-lt"/>
+                <a:ea typeface="+mj-ea"/>
+                <a:cs typeface="+mj-cs"/>
+              </a:defRPr>
+            </a:lvl9pPr>
+          </a:lstStyle>
+          <a:p>
+            <a:r>
+              <a:rPr lang="en-US" altLang="ko-KR" sz="2400" dirty="0"/>
+              <a:t>1. </a:t>
+            </a:r>
+            <a:r>
+              <a:rPr lang="ko-KR" altLang="en-US" sz="2400" dirty="0"/>
+              <a:t>제작배경 및 사용 기술</a:t>
+            </a:r>
+            <a:endParaRPr lang="en-US" altLang="ko-KR" sz="2400" dirty="0"/>
+          </a:p>
+          <a:p>
+            <a:r>
+              <a:rPr lang="en-US" altLang="ko-KR" sz="2400" dirty="0"/>
+              <a:t>2. </a:t>
+            </a:r>
+            <a:r>
+              <a:rPr lang="ko-KR" altLang="en-US" sz="2400" dirty="0"/>
+              <a:t>주요기능</a:t>
+            </a:r>
+            <a:endParaRPr lang="en-US" altLang="ko-KR" sz="2400" dirty="0"/>
+          </a:p>
+          <a:p>
+            <a:r>
+              <a:rPr lang="en-US" altLang="ko-KR" sz="2400" dirty="0"/>
+              <a:t>3. </a:t>
+            </a:r>
+            <a:r>
+              <a:rPr lang="ko-KR" altLang="en-US" sz="2400" dirty="0"/>
+              <a:t>화면구현</a:t>
             </a:r>
           </a:p>
         </p:txBody>
@@ -6072,6 +6381,30 @@
 <file path=ppt/slides/slide2.xml><?xml version="1.0" encoding="utf-8"?>
 <p:sld xmlns:a="http://schemas.openxmlformats.org/drawingml/2006/main" xmlns:r="http://schemas.openxmlformats.org/officeDocument/2006/relationships" xmlns:p="http://schemas.openxmlformats.org/presentationml/2006/main">
   <p:cSld>
+    <p:bg>
+      <p:bgPr>
+        <a:blipFill rotWithShape="1">
+          <a:blip r:embed="rId2">
+            <a:duotone>
+              <a:schemeClr val="bg2">
+                <a:shade val="69000"/>
+                <a:hueMod val="108000"/>
+                <a:satMod val="164000"/>
+                <a:lumMod val="74000"/>
+              </a:schemeClr>
+              <a:schemeClr val="bg2">
+                <a:tint val="96000"/>
+                <a:hueMod val="88000"/>
+                <a:satMod val="140000"/>
+                <a:lumMod val="132000"/>
+              </a:schemeClr>
+            </a:duotone>
+          </a:blip>
+          <a:stretch/>
+        </a:blipFill>
+        <a:effectLst/>
+      </p:bgPr>
+    </p:bg>
     <p:spTree>
       <p:nvGrpSpPr>
         <p:cNvPr id="1" name=""/>
@@ -6091,7 +6424,7 @@
           <p:cNvPr id="2" name="제목 1">
             <a:extLst>
               <a:ext uri="{FF2B5EF4-FFF2-40B4-BE49-F238E27FC236}">
-                <a16:creationId xmlns:a16="http://schemas.microsoft.com/office/drawing/2014/main" id="{CEAA9141-08B4-45AE-B60C-B9B998A5A70A}"/>
+                <a16:creationId xmlns:a16="http://schemas.microsoft.com/office/drawing/2014/main" id="{3068A4EB-F8E1-4E84-9E1F-BA36F87F8A31}"/>
               </a:ext>
             </a:extLst>
           </p:cNvPr>
@@ -6104,211 +6437,454 @@
         </p:nvSpPr>
         <p:spPr>
           <a:xfrm>
-            <a:off x="475378" y="333923"/>
-            <a:ext cx="5321415" cy="2700447"/>
-          </a:xfrm>
-        </p:spPr>
-        <p:txBody>
-          <a:bodyPr/>
+            <a:off x="773535" y="518749"/>
+            <a:ext cx="4226304" cy="605376"/>
+          </a:xfrm>
+        </p:spPr>
+        <p:txBody>
+          <a:bodyPr>
+            <a:normAutofit/>
+          </a:bodyPr>
           <a:lstStyle/>
           <a:p>
-            <a:r>
-              <a:rPr lang="ko-KR" altLang="en-US" dirty="0"/>
-              <a:t>메인 화면</a:t>
-            </a:r>
-            <a:br>
-              <a:rPr lang="en-US" altLang="ko-KR" dirty="0"/>
-            </a:br>
-            <a:r>
-              <a:rPr lang="ko-KR" altLang="en-US" sz="2400" dirty="0"/>
-              <a:t>내비게이션 바 메뉴를 통해서 주요 기능으로 이동 가능</a:t>
-            </a:r>
-          </a:p>
-        </p:txBody>
-      </p:sp>
-      <p:pic>
-        <p:nvPicPr>
-          <p:cNvPr id="5" name="내용 개체 틀 4">
+            <a:pPr algn="ctr"/>
+            <a:r>
+              <a:rPr lang="ko-KR" altLang="en-US" sz="2800" b="1" dirty="0"/>
+              <a:t>제작 배경 및 사용 기술</a:t>
+            </a:r>
+          </a:p>
+        </p:txBody>
+      </p:sp>
+      <p:sp>
+        <p:nvSpPr>
+          <p:cNvPr id="11" name="Content Placeholder 8">
             <a:extLst>
               <a:ext uri="{FF2B5EF4-FFF2-40B4-BE49-F238E27FC236}">
-                <a16:creationId xmlns:a16="http://schemas.microsoft.com/office/drawing/2014/main" id="{F49A7867-8832-4431-A3B0-5FBCC64D07E0}"/>
+                <a16:creationId xmlns:a16="http://schemas.microsoft.com/office/drawing/2014/main" id="{76869DDD-9F22-4A58-9707-C51F3F70914F}"/>
               </a:ext>
             </a:extLst>
           </p:cNvPr>
-          <p:cNvPicPr>
-            <a:picLocks noGrp="1" noChangeAspect="1"/>
-          </p:cNvPicPr>
+          <p:cNvSpPr>
+            <a:spLocks noGrp="1"/>
+          </p:cNvSpPr>
           <p:nvPr>
             <p:ph idx="1"/>
           </p:nvPr>
-        </p:nvPicPr>
-        <p:blipFill rotWithShape="1">
-          <a:blip r:embed="rId2"/>
-          <a:srcRect t="10108"/>
-          <a:stretch/>
-        </p:blipFill>
-        <p:spPr>
-          <a:xfrm>
-            <a:off x="6277796" y="333922"/>
-            <a:ext cx="5546009" cy="2700448"/>
-          </a:xfrm>
-        </p:spPr>
-      </p:pic>
-      <p:sp>
-        <p:nvSpPr>
-          <p:cNvPr id="6" name="제목 1">
+        </p:nvSpPr>
+        <p:spPr>
+          <a:xfrm>
+            <a:off x="7375671" y="1568984"/>
+            <a:ext cx="4108858" cy="4949261"/>
+          </a:xfrm>
+        </p:spPr>
+        <p:txBody>
+          <a:bodyPr>
+            <a:normAutofit/>
+          </a:bodyPr>
+          <a:lstStyle/>
+          <a:p>
+            <a:pPr marL="0" indent="0">
+              <a:buNone/>
+            </a:pPr>
+            <a:r>
+              <a:rPr lang="ko-KR" altLang="en-US" sz="1800" dirty="0"/>
+              <a:t>스프링 프레임워크의 기능들을 복습하면서 기초를 다지자는 취지로 게시판을 제작하게 되었습니다</a:t>
+            </a:r>
+            <a:r>
+              <a:rPr lang="en-US" altLang="ko-KR" sz="1800" dirty="0"/>
+              <a:t>.</a:t>
+            </a:r>
+          </a:p>
+          <a:p>
+            <a:pPr marL="0" indent="0">
+              <a:buNone/>
+            </a:pPr>
+            <a:r>
+              <a:rPr lang="ko-KR" altLang="en-US" sz="1800" dirty="0"/>
+              <a:t>웹 어플리케이션 제작에 </a:t>
+            </a:r>
+            <a:r>
+              <a:rPr lang="en-US" sz="1800" dirty="0"/>
+              <a:t>Spring Boot </a:t>
+            </a:r>
+            <a:r>
+              <a:rPr lang="ko-KR" altLang="en-US" sz="1800" dirty="0"/>
+              <a:t>프레임워크와 </a:t>
+            </a:r>
+            <a:r>
+              <a:rPr lang="en-US" altLang="ko-KR" sz="1800" dirty="0"/>
+              <a:t>Maven</a:t>
+            </a:r>
+            <a:r>
+              <a:rPr lang="ko-KR" altLang="en-US" sz="1800" dirty="0"/>
+              <a:t>을 활용했습니다</a:t>
+            </a:r>
+            <a:r>
+              <a:rPr lang="en-US" altLang="ko-KR" sz="1800" dirty="0"/>
+              <a:t>.</a:t>
+            </a:r>
+          </a:p>
+          <a:p>
+            <a:pPr marL="0" indent="0">
+              <a:buNone/>
+            </a:pPr>
+            <a:r>
+              <a:rPr lang="en-US" altLang="ko-KR" sz="1800" dirty="0"/>
+              <a:t>Gradle</a:t>
+            </a:r>
+            <a:r>
+              <a:rPr lang="ko-KR" altLang="en-US" sz="1800" dirty="0"/>
+              <a:t>은 사용해 본 경험이 없기에 보다 익숙한 빌드 도구인 </a:t>
+            </a:r>
+            <a:r>
+              <a:rPr lang="en-US" altLang="ko-KR" sz="1800" dirty="0"/>
+              <a:t>Maven</a:t>
+            </a:r>
+            <a:r>
+              <a:rPr lang="ko-KR" altLang="en-US" sz="1800" dirty="0"/>
+              <a:t>을 사용했습니다</a:t>
+            </a:r>
+            <a:r>
+              <a:rPr lang="en-US" altLang="ko-KR" sz="1800" dirty="0"/>
+              <a:t>. </a:t>
+            </a:r>
+          </a:p>
+          <a:p>
+            <a:pPr marL="0" indent="0">
+              <a:buNone/>
+            </a:pPr>
+            <a:r>
+              <a:rPr lang="en-US" altLang="ko-KR" sz="1800" dirty="0"/>
+              <a:t>Spring Boot </a:t>
+            </a:r>
+            <a:r>
+              <a:rPr lang="ko-KR" altLang="en-US" sz="1800" dirty="0"/>
+              <a:t>프레임워크를 사용하면 </a:t>
+            </a:r>
+            <a:r>
+              <a:rPr lang="en-US" altLang="ko-KR" sz="1800" dirty="0"/>
+              <a:t>Spring </a:t>
+            </a:r>
+            <a:r>
+              <a:rPr lang="ko-KR" altLang="en-US" sz="1800" dirty="0"/>
+              <a:t>프레임워크보다 설정에 드는 시간이 줄어들어 개발이 편리해 지므로 </a:t>
+            </a:r>
+            <a:r>
+              <a:rPr lang="en-US" altLang="ko-KR" sz="1800" dirty="0"/>
+              <a:t>Spring Boot </a:t>
+            </a:r>
+            <a:r>
+              <a:rPr lang="ko-KR" altLang="en-US" sz="1800" dirty="0"/>
+              <a:t>프레임워크를 사용했습니다</a:t>
+            </a:r>
+            <a:r>
+              <a:rPr lang="en-US" altLang="ko-KR" sz="1800" dirty="0"/>
+              <a:t>.</a:t>
+            </a:r>
+          </a:p>
+        </p:txBody>
+      </p:sp>
+      <p:graphicFrame>
+        <p:nvGraphicFramePr>
+          <p:cNvPr id="3" name="표 2">
             <a:extLst>
               <a:ext uri="{FF2B5EF4-FFF2-40B4-BE49-F238E27FC236}">
-                <a16:creationId xmlns:a16="http://schemas.microsoft.com/office/drawing/2014/main" id="{19F68C99-C5A3-40D4-9463-A53CF0A97949}"/>
+                <a16:creationId xmlns:a16="http://schemas.microsoft.com/office/drawing/2014/main" id="{EFBA503C-8A04-4E33-9B12-F722F90FBBB1}"/>
               </a:ext>
             </a:extLst>
           </p:cNvPr>
-          <p:cNvSpPr txBox="1">
-            <a:spLocks/>
-          </p:cNvSpPr>
-          <p:nvPr/>
-        </p:nvSpPr>
-        <p:spPr>
-          <a:xfrm>
-            <a:off x="475377" y="3580350"/>
-            <a:ext cx="5438828" cy="2700448"/>
-          </a:xfrm>
-          <a:prstGeom prst="rect">
-            <a:avLst/>
-          </a:prstGeom>
-        </p:spPr>
-        <p:txBody>
-          <a:bodyPr vert="horz" lIns="91440" tIns="45720" rIns="91440" bIns="45720" rtlCol="0" anchor="t">
-            <a:noAutofit/>
-          </a:bodyPr>
-          <a:lstStyle>
-            <a:lvl1pPr algn="l" defTabSz="457200" rtl="0" eaLnBrk="1" latinLnBrk="1" hangingPunct="1">
-              <a:spcBef>
-                <a:spcPct val="0"/>
-              </a:spcBef>
-              <a:buNone/>
-              <a:defRPr sz="4200" b="0" i="0" kern="1200">
-                <a:solidFill>
-                  <a:schemeClr val="tx2"/>
-                </a:solidFill>
-                <a:latin typeface="+mj-lt"/>
-                <a:ea typeface="+mj-ea"/>
-                <a:cs typeface="+mj-cs"/>
-              </a:defRPr>
-            </a:lvl1pPr>
-            <a:lvl2pPr eaLnBrk="1" latinLnBrk="1" hangingPunct="1">
-              <a:defRPr>
-                <a:solidFill>
-                  <a:schemeClr val="tx2"/>
-                </a:solidFill>
-              </a:defRPr>
-            </a:lvl2pPr>
-            <a:lvl3pPr eaLnBrk="1" latinLnBrk="1" hangingPunct="1">
-              <a:defRPr>
-                <a:solidFill>
-                  <a:schemeClr val="tx2"/>
-                </a:solidFill>
-              </a:defRPr>
-            </a:lvl3pPr>
-            <a:lvl4pPr eaLnBrk="1" latinLnBrk="1" hangingPunct="1">
-              <a:defRPr>
-                <a:solidFill>
-                  <a:schemeClr val="tx2"/>
-                </a:solidFill>
-              </a:defRPr>
-            </a:lvl4pPr>
-            <a:lvl5pPr eaLnBrk="1" latinLnBrk="1" hangingPunct="1">
-              <a:defRPr>
-                <a:solidFill>
-                  <a:schemeClr val="tx2"/>
-                </a:solidFill>
-              </a:defRPr>
-            </a:lvl5pPr>
-            <a:lvl6pPr eaLnBrk="1" latinLnBrk="1" hangingPunct="1">
-              <a:defRPr>
-                <a:solidFill>
-                  <a:schemeClr val="tx2"/>
-                </a:solidFill>
-              </a:defRPr>
-            </a:lvl6pPr>
-            <a:lvl7pPr eaLnBrk="1" latinLnBrk="1" hangingPunct="1">
-              <a:defRPr>
-                <a:solidFill>
-                  <a:schemeClr val="tx2"/>
-                </a:solidFill>
-              </a:defRPr>
-            </a:lvl7pPr>
-            <a:lvl8pPr eaLnBrk="1" latinLnBrk="1" hangingPunct="1">
-              <a:defRPr>
-                <a:solidFill>
-                  <a:schemeClr val="tx2"/>
-                </a:solidFill>
-              </a:defRPr>
-            </a:lvl8pPr>
-            <a:lvl9pPr eaLnBrk="1" latinLnBrk="1" hangingPunct="1">
-              <a:defRPr>
-                <a:solidFill>
-                  <a:schemeClr val="tx2"/>
-                </a:solidFill>
-              </a:defRPr>
-            </a:lvl9pPr>
-          </a:lstStyle>
-          <a:p>
-            <a:r>
-              <a:rPr lang="ko-KR" altLang="en-US" dirty="0"/>
-              <a:t>회원 가입 메뉴</a:t>
-            </a:r>
-            <a:br>
-              <a:rPr lang="en-US" altLang="ko-KR" dirty="0"/>
-            </a:br>
-            <a:r>
-              <a:rPr lang="ko-KR" altLang="en-US" sz="2400" dirty="0"/>
-              <a:t>정보를 입력 후에 </a:t>
-            </a:r>
-            <a:r>
-              <a:rPr lang="en-US" altLang="ko-KR" sz="2400" dirty="0"/>
-              <a:t>command </a:t>
-            </a:r>
-            <a:r>
-              <a:rPr lang="ko-KR" altLang="en-US" sz="2400" dirty="0"/>
-              <a:t>객체를 통해서 데이터베이스에 저장됨</a:t>
-            </a:r>
-          </a:p>
-        </p:txBody>
-      </p:sp>
-      <p:pic>
-        <p:nvPicPr>
-          <p:cNvPr id="7" name="내용 개체 틀 4">
-            <a:extLst>
-              <a:ext uri="{FF2B5EF4-FFF2-40B4-BE49-F238E27FC236}">
-                <a16:creationId xmlns:a16="http://schemas.microsoft.com/office/drawing/2014/main" id="{17BB0E54-F71B-4F40-8AEC-D27EDC7C853B}"/>
-              </a:ext>
-            </a:extLst>
-          </p:cNvPr>
-          <p:cNvPicPr>
-            <a:picLocks noChangeAspect="1"/>
-          </p:cNvPicPr>
-          <p:nvPr/>
-        </p:nvPicPr>
-        <p:blipFill rotWithShape="1">
-          <a:blip r:embed="rId3"/>
-          <a:srcRect t="10108"/>
-          <a:stretch/>
-        </p:blipFill>
-        <p:spPr>
-          <a:xfrm>
-            <a:off x="6277796" y="3580350"/>
-            <a:ext cx="5546008" cy="2700448"/>
-          </a:xfrm>
-          <a:prstGeom prst="rect">
-            <a:avLst/>
-          </a:prstGeom>
-        </p:spPr>
-      </p:pic>
+          <p:cNvGraphicFramePr>
+            <a:graphicFrameLocks noGrp="1"/>
+          </p:cNvGraphicFramePr>
+          <p:nvPr>
+            <p:extLst>
+              <p:ext uri="{D42A27DB-BD31-4B8C-83A1-F6EECF244321}">
+                <p14:modId xmlns:p14="http://schemas.microsoft.com/office/powerpoint/2010/main" val="3445582646"/>
+              </p:ext>
+            </p:extLst>
+          </p:nvPr>
+        </p:nvGraphicFramePr>
+        <p:xfrm>
+          <a:off x="564859" y="1636618"/>
+          <a:ext cx="6264550" cy="3869990"/>
+        </p:xfrm>
+        <a:graphic>
+          <a:graphicData uri="http://schemas.openxmlformats.org/drawingml/2006/table">
+            <a:tbl>
+              <a:tblPr firstRow="1" bandRow="1">
+                <a:tableStyleId>{C4B1156A-380E-4F78-BDF5-A606A8083BF9}</a:tableStyleId>
+              </a:tblPr>
+              <a:tblGrid>
+                <a:gridCol w="1801606">
+                  <a:extLst>
+                    <a:ext uri="{9D8B030D-6E8A-4147-A177-3AD203B41FA5}">
+                      <a16:colId xmlns:a16="http://schemas.microsoft.com/office/drawing/2014/main" val="4265935288"/>
+                    </a:ext>
+                  </a:extLst>
+                </a:gridCol>
+                <a:gridCol w="4462944">
+                  <a:extLst>
+                    <a:ext uri="{9D8B030D-6E8A-4147-A177-3AD203B41FA5}">
+                      <a16:colId xmlns:a16="http://schemas.microsoft.com/office/drawing/2014/main" val="632137739"/>
+                    </a:ext>
+                  </a:extLst>
+                </a:gridCol>
+              </a:tblGrid>
+              <a:tr h="573332">
+                <a:tc>
+                  <a:txBody>
+                    <a:bodyPr/>
+                    <a:lstStyle/>
+                    <a:p>
+                      <a:pPr latinLnBrk="1"/>
+                      <a:r>
+                        <a:rPr lang="ko-KR" altLang="en-US" b="0" dirty="0"/>
+                        <a:t>사용 언어</a:t>
+                      </a:r>
+                    </a:p>
+                  </a:txBody>
+                  <a:tcPr/>
+                </a:tc>
+                <a:tc>
+                  <a:txBody>
+                    <a:bodyPr/>
+                    <a:lstStyle/>
+                    <a:p>
+                      <a:pPr latinLnBrk="1"/>
+                      <a:r>
+                        <a:rPr lang="en-US" altLang="ko-KR" b="0" dirty="0"/>
+                        <a:t>JAVA, </a:t>
+                      </a:r>
+                      <a:r>
+                        <a:rPr lang="en-US" altLang="ko-KR" b="0" dirty="0" err="1"/>
+                        <a:t>Javascript</a:t>
+                      </a:r>
+                      <a:r>
+                        <a:rPr lang="en-US" altLang="ko-KR" b="0" dirty="0"/>
+                        <a:t>, </a:t>
+                      </a:r>
+                      <a:r>
+                        <a:rPr lang="en-US" altLang="ko-KR" b="0" dirty="0" err="1"/>
+                        <a:t>JQuery</a:t>
+                      </a:r>
+                      <a:endParaRPr lang="ko-KR" altLang="en-US" b="0" dirty="0"/>
+                    </a:p>
+                  </a:txBody>
+                  <a:tcPr/>
+                </a:tc>
+                <a:extLst>
+                  <a:ext uri="{0D108BD9-81ED-4DB2-BD59-A6C34878D82A}">
+                    <a16:rowId xmlns:a16="http://schemas.microsoft.com/office/drawing/2014/main" val="1457625136"/>
+                  </a:ext>
+                </a:extLst>
+              </a:tr>
+              <a:tr h="573332">
+                <a:tc>
+                  <a:txBody>
+                    <a:bodyPr/>
+                    <a:lstStyle/>
+                    <a:p>
+                      <a:pPr latinLnBrk="1"/>
+                      <a:r>
+                        <a:rPr lang="ko-KR" altLang="en-US" dirty="0"/>
+                        <a:t>개발 도구</a:t>
+                      </a:r>
+                    </a:p>
+                  </a:txBody>
+                  <a:tcPr/>
+                </a:tc>
+                <a:tc>
+                  <a:txBody>
+                    <a:bodyPr/>
+                    <a:lstStyle/>
+                    <a:p>
+                      <a:pPr latinLnBrk="1"/>
+                      <a:r>
+                        <a:rPr lang="en-US" altLang="ko-KR" dirty="0"/>
+                        <a:t>Spring Tool Suite, Visual Studio Code</a:t>
+                      </a:r>
+                      <a:endParaRPr lang="ko-KR" altLang="en-US" dirty="0"/>
+                    </a:p>
+                  </a:txBody>
+                  <a:tcPr/>
+                </a:tc>
+                <a:extLst>
+                  <a:ext uri="{0D108BD9-81ED-4DB2-BD59-A6C34878D82A}">
+                    <a16:rowId xmlns:a16="http://schemas.microsoft.com/office/drawing/2014/main" val="1803362912"/>
+                  </a:ext>
+                </a:extLst>
+              </a:tr>
+              <a:tr h="573332">
+                <a:tc>
+                  <a:txBody>
+                    <a:bodyPr/>
+                    <a:lstStyle/>
+                    <a:p>
+                      <a:pPr latinLnBrk="1"/>
+                      <a:r>
+                        <a:rPr lang="ko-KR" altLang="en-US" dirty="0"/>
+                        <a:t>서버</a:t>
+                      </a:r>
+                    </a:p>
+                  </a:txBody>
+                  <a:tcPr/>
+                </a:tc>
+                <a:tc>
+                  <a:txBody>
+                    <a:bodyPr/>
+                    <a:lstStyle/>
+                    <a:p>
+                      <a:pPr latinLnBrk="1"/>
+                      <a:r>
+                        <a:rPr lang="en-US" altLang="ko-KR" dirty="0"/>
+                        <a:t>Tomcat</a:t>
+                      </a:r>
+                      <a:endParaRPr lang="ko-KR" altLang="en-US" dirty="0"/>
+                    </a:p>
+                  </a:txBody>
+                  <a:tcPr/>
+                </a:tc>
+                <a:extLst>
+                  <a:ext uri="{0D108BD9-81ED-4DB2-BD59-A6C34878D82A}">
+                    <a16:rowId xmlns:a16="http://schemas.microsoft.com/office/drawing/2014/main" val="765877325"/>
+                  </a:ext>
+                </a:extLst>
+              </a:tr>
+              <a:tr h="1003330">
+                <a:tc>
+                  <a:txBody>
+                    <a:bodyPr/>
+                    <a:lstStyle/>
+                    <a:p>
+                      <a:pPr latinLnBrk="1"/>
+                      <a:r>
+                        <a:rPr lang="ko-KR" altLang="en-US" dirty="0"/>
+                        <a:t>데이터베이스</a:t>
+                      </a:r>
+                    </a:p>
+                  </a:txBody>
+                  <a:tcPr/>
+                </a:tc>
+                <a:tc>
+                  <a:txBody>
+                    <a:bodyPr/>
+                    <a:lstStyle/>
+                    <a:p>
+                      <a:pPr latinLnBrk="1"/>
+                      <a:r>
+                        <a:rPr lang="en-US" altLang="ko-KR" dirty="0"/>
+                        <a:t>MySQL, </a:t>
+                      </a:r>
+                      <a:r>
+                        <a:rPr lang="en-US" altLang="ko-KR" dirty="0" err="1"/>
+                        <a:t>MyBatis</a:t>
+                      </a:r>
+                      <a:endParaRPr lang="ko-KR" altLang="en-US" dirty="0"/>
+                    </a:p>
+                  </a:txBody>
+                  <a:tcPr/>
+                </a:tc>
+                <a:extLst>
+                  <a:ext uri="{0D108BD9-81ED-4DB2-BD59-A6C34878D82A}">
+                    <a16:rowId xmlns:a16="http://schemas.microsoft.com/office/drawing/2014/main" val="2609259670"/>
+                  </a:ext>
+                </a:extLst>
+              </a:tr>
+              <a:tr h="573332">
+                <a:tc>
+                  <a:txBody>
+                    <a:bodyPr/>
+                    <a:lstStyle/>
+                    <a:p>
+                      <a:pPr latinLnBrk="1"/>
+                      <a:r>
+                        <a:rPr lang="ko-KR" altLang="en-US" dirty="0"/>
+                        <a:t>프레임워크</a:t>
+                      </a:r>
+                    </a:p>
+                  </a:txBody>
+                  <a:tcPr/>
+                </a:tc>
+                <a:tc>
+                  <a:txBody>
+                    <a:bodyPr/>
+                    <a:lstStyle/>
+                    <a:p>
+                      <a:pPr marL="0" marR="0" lvl="0" indent="0" algn="l" defTabSz="457200" rtl="0" eaLnBrk="1" fontAlgn="auto" latinLnBrk="1" hangingPunct="1">
+                        <a:lnSpc>
+                          <a:spcPct val="100000"/>
+                        </a:lnSpc>
+                        <a:spcBef>
+                          <a:spcPts val="0"/>
+                        </a:spcBef>
+                        <a:spcAft>
+                          <a:spcPts val="0"/>
+                        </a:spcAft>
+                        <a:buClrTx/>
+                        <a:buSzTx/>
+                        <a:buFontTx/>
+                        <a:buNone/>
+                        <a:tabLst/>
+                        <a:defRPr/>
+                      </a:pPr>
+                      <a:r>
+                        <a:rPr lang="en-US" altLang="ko-KR" sz="1800" dirty="0"/>
+                        <a:t>Spring Boot, Bootstrap</a:t>
+                      </a:r>
+                    </a:p>
+                  </a:txBody>
+                  <a:tcPr/>
+                </a:tc>
+                <a:extLst>
+                  <a:ext uri="{0D108BD9-81ED-4DB2-BD59-A6C34878D82A}">
+                    <a16:rowId xmlns:a16="http://schemas.microsoft.com/office/drawing/2014/main" val="1970147729"/>
+                  </a:ext>
+                </a:extLst>
+              </a:tr>
+              <a:tr h="573332">
+                <a:tc>
+                  <a:txBody>
+                    <a:bodyPr/>
+                    <a:lstStyle/>
+                    <a:p>
+                      <a:pPr latinLnBrk="1"/>
+                      <a:r>
+                        <a:rPr lang="ko-KR" altLang="en-US" dirty="0"/>
+                        <a:t>기타</a:t>
+                      </a:r>
+                    </a:p>
+                  </a:txBody>
+                  <a:tcPr/>
+                </a:tc>
+                <a:tc>
+                  <a:txBody>
+                    <a:bodyPr/>
+                    <a:lstStyle/>
+                    <a:p>
+                      <a:pPr latinLnBrk="1"/>
+                      <a:r>
+                        <a:rPr lang="en-US" altLang="ko-KR" dirty="0"/>
+                        <a:t>AJAX, Maven</a:t>
+                      </a:r>
+                      <a:endParaRPr lang="ko-KR" altLang="en-US" dirty="0"/>
+                    </a:p>
+                  </a:txBody>
+                  <a:tcPr/>
+                </a:tc>
+                <a:extLst>
+                  <a:ext uri="{0D108BD9-81ED-4DB2-BD59-A6C34878D82A}">
+                    <a16:rowId xmlns:a16="http://schemas.microsoft.com/office/drawing/2014/main" val="4278470384"/>
+                  </a:ext>
+                </a:extLst>
+              </a:tr>
+            </a:tbl>
+          </a:graphicData>
+        </a:graphic>
+      </p:graphicFrame>
     </p:spTree>
     <p:extLst>
       <p:ext uri="{BB962C8B-B14F-4D97-AF65-F5344CB8AC3E}">
-        <p14:creationId xmlns:p14="http://schemas.microsoft.com/office/powerpoint/2010/main" val="3454011660"/>
+        <p14:creationId xmlns:p14="http://schemas.microsoft.com/office/powerpoint/2010/main" val="2730113931"/>
       </p:ext>
     </p:extLst>
   </p:cSld>
@@ -6337,218 +6913,175 @@
       </p:grpSpPr>
       <p:sp>
         <p:nvSpPr>
-          <p:cNvPr id="2" name="제목 1">
+          <p:cNvPr id="35" name="직사각형 34">
             <a:extLst>
               <a:ext uri="{FF2B5EF4-FFF2-40B4-BE49-F238E27FC236}">
-                <a16:creationId xmlns:a16="http://schemas.microsoft.com/office/drawing/2014/main" id="{CEAA9141-08B4-45AE-B60C-B9B998A5A70A}"/>
+                <a16:creationId xmlns:a16="http://schemas.microsoft.com/office/drawing/2014/main" id="{5B0673F8-8FF3-4116-AE67-2278E6EE72F6}"/>
               </a:ext>
             </a:extLst>
           </p:cNvPr>
-          <p:cNvSpPr>
-            <a:spLocks noGrp="1"/>
-          </p:cNvSpPr>
-          <p:nvPr>
-            <p:ph type="title"/>
-          </p:nvPr>
-        </p:nvSpPr>
-        <p:spPr>
-          <a:xfrm>
-            <a:off x="475378" y="333923"/>
-            <a:ext cx="5321415" cy="2700447"/>
-          </a:xfrm>
-        </p:spPr>
-        <p:txBody>
-          <a:bodyPr/>
+          <p:cNvSpPr/>
+          <p:nvPr/>
+        </p:nvSpPr>
+        <p:spPr>
+          <a:xfrm>
+            <a:off x="646112" y="3097244"/>
+            <a:ext cx="4311941" cy="3514987"/>
+          </a:xfrm>
+          <a:prstGeom prst="rect">
+            <a:avLst/>
+          </a:prstGeom>
+          <a:solidFill>
+            <a:schemeClr val="accent4">
+              <a:lumMod val="40000"/>
+              <a:lumOff val="60000"/>
+            </a:schemeClr>
+          </a:solidFill>
+          <a:ln>
+            <a:noFill/>
+          </a:ln>
+        </p:spPr>
+        <p:style>
+          <a:lnRef idx="2">
+            <a:schemeClr val="accent1">
+              <a:shade val="50000"/>
+            </a:schemeClr>
+          </a:lnRef>
+          <a:fillRef idx="1">
+            <a:schemeClr val="accent1"/>
+          </a:fillRef>
+          <a:effectRef idx="0">
+            <a:schemeClr val="accent1"/>
+          </a:effectRef>
+          <a:fontRef idx="minor">
+            <a:schemeClr val="lt1"/>
+          </a:fontRef>
+        </p:style>
+        <p:txBody>
+          <a:bodyPr rtlCol="0" anchor="ctr"/>
           <a:lstStyle/>
           <a:p>
-            <a:r>
-              <a:rPr lang="ko-KR" altLang="en-US" dirty="0"/>
-              <a:t>게시글 작성</a:t>
-            </a:r>
-            <a:br>
-              <a:rPr lang="en-US" altLang="ko-KR" dirty="0"/>
-            </a:br>
-            <a:r>
-              <a:rPr lang="ko-KR" altLang="en-US" sz="2400" dirty="0"/>
-              <a:t>제목과 내용을 작성 후에 추가로 첨부파일을 선택할 수 있음</a:t>
-            </a:r>
-            <a:r>
-              <a:rPr lang="en-US" altLang="ko-KR" sz="2400" dirty="0"/>
-              <a:t>.</a:t>
-            </a:r>
-            <a:endParaRPr lang="ko-KR" altLang="en-US" sz="2400" dirty="0"/>
-          </a:p>
-        </p:txBody>
-      </p:sp>
-      <p:pic>
-        <p:nvPicPr>
-          <p:cNvPr id="5" name="내용 개체 틀 4">
+            <a:pPr algn="ctr"/>
+            <a:endParaRPr lang="ko-KR" altLang="en-US"/>
+          </a:p>
+        </p:txBody>
+      </p:sp>
+      <p:sp>
+        <p:nvSpPr>
+          <p:cNvPr id="4" name="제목 3">
             <a:extLst>
               <a:ext uri="{FF2B5EF4-FFF2-40B4-BE49-F238E27FC236}">
-                <a16:creationId xmlns:a16="http://schemas.microsoft.com/office/drawing/2014/main" id="{F49A7867-8832-4431-A3B0-5FBCC64D07E0}"/>
+                <a16:creationId xmlns:a16="http://schemas.microsoft.com/office/drawing/2014/main" id="{D3CF2B11-7BE6-43DA-BD88-2DB9E9FCB30A}"/>
               </a:ext>
             </a:extLst>
           </p:cNvPr>
-          <p:cNvPicPr>
-            <a:picLocks noGrp="1" noChangeAspect="1"/>
-          </p:cNvPicPr>
-          <p:nvPr>
-            <p:ph idx="1"/>
-          </p:nvPr>
-        </p:nvPicPr>
-        <p:blipFill rotWithShape="1">
-          <a:blip r:embed="rId2"/>
-          <a:srcRect t="10973" b="5054"/>
-          <a:stretch/>
-        </p:blipFill>
-        <p:spPr>
-          <a:xfrm>
-            <a:off x="6277796" y="333923"/>
-            <a:ext cx="5546009" cy="2700448"/>
-          </a:xfrm>
-        </p:spPr>
-      </p:pic>
-      <p:sp>
-        <p:nvSpPr>
-          <p:cNvPr id="6" name="제목 1">
+          <p:cNvSpPr>
+            <a:spLocks noGrp="1"/>
+          </p:cNvSpPr>
+          <p:nvPr>
+            <p:ph type="title"/>
+          </p:nvPr>
+        </p:nvSpPr>
+        <p:spPr>
+          <a:xfrm>
+            <a:off x="646112" y="452718"/>
+            <a:ext cx="2323592" cy="688185"/>
+          </a:xfrm>
+        </p:spPr>
+        <p:txBody>
+          <a:bodyPr/>
+          <a:lstStyle/>
+          <a:p>
+            <a:r>
+              <a:rPr lang="ko-KR" altLang="en-US" sz="2800" b="1" dirty="0"/>
+              <a:t>주요 기능</a:t>
+            </a:r>
+          </a:p>
+        </p:txBody>
+      </p:sp>
+      <p:sp>
+        <p:nvSpPr>
+          <p:cNvPr id="5" name="텍스트 개체 틀 4">
             <a:extLst>
               <a:ext uri="{FF2B5EF4-FFF2-40B4-BE49-F238E27FC236}">
-                <a16:creationId xmlns:a16="http://schemas.microsoft.com/office/drawing/2014/main" id="{19F68C99-C5A3-40D4-9463-A53CF0A97949}"/>
+                <a16:creationId xmlns:a16="http://schemas.microsoft.com/office/drawing/2014/main" id="{8E46C2A8-39AE-4DC3-9A87-C6389001E16B}"/>
               </a:ext>
             </a:extLst>
           </p:cNvPr>
-          <p:cNvSpPr txBox="1">
-            <a:spLocks/>
-          </p:cNvSpPr>
-          <p:nvPr/>
-        </p:nvSpPr>
-        <p:spPr>
-          <a:xfrm>
-            <a:off x="475377" y="3580350"/>
-            <a:ext cx="5438828" cy="2700448"/>
-          </a:xfrm>
-          <a:prstGeom prst="rect">
-            <a:avLst/>
-          </a:prstGeom>
-        </p:spPr>
-        <p:txBody>
-          <a:bodyPr vert="horz" lIns="91440" tIns="45720" rIns="91440" bIns="45720" rtlCol="0" anchor="t">
-            <a:noAutofit/>
-          </a:bodyPr>
-          <a:lstStyle>
-            <a:lvl1pPr algn="l" defTabSz="457200" rtl="0" eaLnBrk="1" latinLnBrk="1" hangingPunct="1">
-              <a:spcBef>
-                <a:spcPct val="0"/>
-              </a:spcBef>
-              <a:buNone/>
-              <a:defRPr sz="4200" b="0" i="0" kern="1200">
-                <a:solidFill>
-                  <a:schemeClr val="tx2"/>
-                </a:solidFill>
-                <a:latin typeface="+mj-lt"/>
-                <a:ea typeface="+mj-ea"/>
-                <a:cs typeface="+mj-cs"/>
-              </a:defRPr>
-            </a:lvl1pPr>
-            <a:lvl2pPr eaLnBrk="1" latinLnBrk="1" hangingPunct="1">
-              <a:defRPr>
-                <a:solidFill>
-                  <a:schemeClr val="tx2"/>
-                </a:solidFill>
-              </a:defRPr>
-            </a:lvl2pPr>
-            <a:lvl3pPr eaLnBrk="1" latinLnBrk="1" hangingPunct="1">
-              <a:defRPr>
-                <a:solidFill>
-                  <a:schemeClr val="tx2"/>
-                </a:solidFill>
-              </a:defRPr>
-            </a:lvl3pPr>
-            <a:lvl4pPr eaLnBrk="1" latinLnBrk="1" hangingPunct="1">
-              <a:defRPr>
-                <a:solidFill>
-                  <a:schemeClr val="tx2"/>
-                </a:solidFill>
-              </a:defRPr>
-            </a:lvl4pPr>
-            <a:lvl5pPr eaLnBrk="1" latinLnBrk="1" hangingPunct="1">
-              <a:defRPr>
-                <a:solidFill>
-                  <a:schemeClr val="tx2"/>
-                </a:solidFill>
-              </a:defRPr>
-            </a:lvl5pPr>
-            <a:lvl6pPr eaLnBrk="1" latinLnBrk="1" hangingPunct="1">
-              <a:defRPr>
-                <a:solidFill>
-                  <a:schemeClr val="tx2"/>
-                </a:solidFill>
-              </a:defRPr>
-            </a:lvl6pPr>
-            <a:lvl7pPr eaLnBrk="1" latinLnBrk="1" hangingPunct="1">
-              <a:defRPr>
-                <a:solidFill>
-                  <a:schemeClr val="tx2"/>
-                </a:solidFill>
-              </a:defRPr>
-            </a:lvl7pPr>
-            <a:lvl8pPr eaLnBrk="1" latinLnBrk="1" hangingPunct="1">
-              <a:defRPr>
-                <a:solidFill>
-                  <a:schemeClr val="tx2"/>
-                </a:solidFill>
-              </a:defRPr>
-            </a:lvl8pPr>
-            <a:lvl9pPr eaLnBrk="1" latinLnBrk="1" hangingPunct="1">
-              <a:defRPr>
-                <a:solidFill>
-                  <a:schemeClr val="tx2"/>
-                </a:solidFill>
-              </a:defRPr>
-            </a:lvl9pPr>
-          </a:lstStyle>
-          <a:p>
+          <p:cNvSpPr>
+            <a:spLocks noGrp="1"/>
+          </p:cNvSpPr>
+          <p:nvPr>
+            <p:ph sz="half" idx="1"/>
+          </p:nvPr>
+        </p:nvSpPr>
+        <p:spPr>
+          <a:xfrm>
+            <a:off x="646112" y="1235295"/>
+            <a:ext cx="4563451" cy="1608955"/>
+          </a:xfrm>
+        </p:spPr>
+        <p:txBody>
+          <a:bodyPr/>
+          <a:lstStyle/>
+          <a:p>
+            <a:pPr marL="0" indent="0">
+              <a:buNone/>
+            </a:pPr>
             <a:r>
               <a:rPr lang="ko-KR" altLang="en-US" dirty="0"/>
-              <a:t>게시글 조회 화면</a:t>
+              <a:t>► 회원가입</a:t>
             </a:r>
             <a:endParaRPr lang="en-US" altLang="ko-KR" dirty="0"/>
           </a:p>
           <a:p>
-            <a:r>
-              <a:rPr lang="ko-KR" altLang="en-US" sz="2400" dirty="0"/>
-              <a:t>작성한 </a:t>
-            </a:r>
-            <a:r>
-              <a:rPr lang="ko-KR" altLang="en-US" sz="2400" dirty="0" err="1"/>
-              <a:t>게시글들을</a:t>
-            </a:r>
-            <a:r>
-              <a:rPr lang="ko-KR" altLang="en-US" sz="2400" dirty="0"/>
-              <a:t> 그리드 방식으로 나타냄</a:t>
-            </a:r>
-            <a:r>
-              <a:rPr lang="en-US" altLang="ko-KR" sz="2400" dirty="0"/>
-              <a:t>. </a:t>
-            </a:r>
-            <a:r>
-              <a:rPr lang="ko-KR" altLang="en-US" sz="2400" dirty="0"/>
-              <a:t>사진이 있는 경우 미리 보기 가능</a:t>
-            </a:r>
-            <a:r>
-              <a:rPr lang="en-US" altLang="ko-KR" sz="2400" dirty="0"/>
+            <a:pPr marL="0" indent="0">
+              <a:buNone/>
+            </a:pPr>
+            <a:r>
+              <a:rPr lang="ko-KR" altLang="en-US" dirty="0"/>
+              <a:t>컨트롤러에서 커맨드 객체를 생성합니다</a:t>
+            </a:r>
+            <a:r>
+              <a:rPr lang="en-US" altLang="ko-KR" dirty="0"/>
               <a:t>.</a:t>
             </a:r>
-            <a:endParaRPr lang="ko-KR" altLang="en-US" sz="2400" dirty="0"/>
+            <a:r>
+              <a:rPr lang="ko-KR" altLang="en-US" dirty="0"/>
+              <a:t> </a:t>
+            </a:r>
+            <a:r>
+              <a:rPr lang="en-US" altLang="ko-KR" dirty="0"/>
+              <a:t>Form </a:t>
+            </a:r>
+            <a:r>
+              <a:rPr lang="ko-KR" altLang="en-US" dirty="0"/>
+              <a:t>태그로 입력된 정보를 </a:t>
+            </a:r>
+            <a:r>
+              <a:rPr lang="en-US" altLang="ko-KR" dirty="0"/>
+              <a:t>Post </a:t>
+            </a:r>
+            <a:r>
+              <a:rPr lang="ko-KR" altLang="en-US" dirty="0"/>
+              <a:t>매핑으로 받고 이를 데이터베이스에 저장합니다</a:t>
+            </a:r>
+            <a:endParaRPr lang="en-US" altLang="ko-KR" dirty="0"/>
+          </a:p>
+          <a:p>
+            <a:pPr marL="0" indent="0">
+              <a:buNone/>
+            </a:pPr>
+            <a:endParaRPr lang="ko-KR" altLang="en-US" dirty="0"/>
           </a:p>
         </p:txBody>
       </p:sp>
       <p:pic>
         <p:nvPicPr>
-          <p:cNvPr id="7" name="내용 개체 틀 4">
+          <p:cNvPr id="12" name="그림 11">
             <a:extLst>
               <a:ext uri="{FF2B5EF4-FFF2-40B4-BE49-F238E27FC236}">
-                <a16:creationId xmlns:a16="http://schemas.microsoft.com/office/drawing/2014/main" id="{17BB0E54-F71B-4F40-8AEC-D27EDC7C853B}"/>
+                <a16:creationId xmlns:a16="http://schemas.microsoft.com/office/drawing/2014/main" id="{E8A00314-0D9B-40D5-88B4-0182254C00FC}"/>
               </a:ext>
             </a:extLst>
           </p:cNvPr>
@@ -6557,15 +7090,212 @@
           </p:cNvPicPr>
           <p:nvPr/>
         </p:nvPicPr>
-        <p:blipFill rotWithShape="1">
+        <p:blipFill>
+          <a:blip r:embed="rId2"/>
+          <a:stretch>
+            <a:fillRect/>
+          </a:stretch>
+        </p:blipFill>
+        <p:spPr>
+          <a:xfrm>
+            <a:off x="1503719" y="3288305"/>
+            <a:ext cx="2596724" cy="1893830"/>
+          </a:xfrm>
+          <a:prstGeom prst="rect">
+            <a:avLst/>
+          </a:prstGeom>
+        </p:spPr>
+      </p:pic>
+      <p:pic>
+        <p:nvPicPr>
+          <p:cNvPr id="14" name="그림 13">
+            <a:extLst>
+              <a:ext uri="{FF2B5EF4-FFF2-40B4-BE49-F238E27FC236}">
+                <a16:creationId xmlns:a16="http://schemas.microsoft.com/office/drawing/2014/main" id="{420F70A5-DD59-4D68-9D25-AB8A186DCE1A}"/>
+              </a:ext>
+            </a:extLst>
+          </p:cNvPr>
+          <p:cNvPicPr>
+            <a:picLocks noChangeAspect="1"/>
+          </p:cNvPicPr>
+          <p:nvPr/>
+        </p:nvPicPr>
+        <p:blipFill>
           <a:blip r:embed="rId3"/>
-          <a:srcRect t="9860" b="5054"/>
-          <a:stretch/>
+          <a:stretch>
+            <a:fillRect/>
+          </a:stretch>
         </p:blipFill>
         <p:spPr>
           <a:xfrm>
-            <a:off x="6277795" y="3506598"/>
-            <a:ext cx="5546009" cy="2774200"/>
+            <a:off x="801552" y="6106832"/>
+            <a:ext cx="4001058" cy="171474"/>
+          </a:xfrm>
+          <a:prstGeom prst="rect">
+            <a:avLst/>
+          </a:prstGeom>
+        </p:spPr>
+      </p:pic>
+      <p:sp>
+        <p:nvSpPr>
+          <p:cNvPr id="8" name="화살표: 오른쪽 7">
+            <a:extLst>
+              <a:ext uri="{FF2B5EF4-FFF2-40B4-BE49-F238E27FC236}">
+                <a16:creationId xmlns:a16="http://schemas.microsoft.com/office/drawing/2014/main" id="{7E982B34-98C3-4F37-9E27-B1C67D45805C}"/>
+              </a:ext>
+            </a:extLst>
+          </p:cNvPr>
+          <p:cNvSpPr/>
+          <p:nvPr/>
+        </p:nvSpPr>
+        <p:spPr>
+          <a:xfrm rot="5400000">
+            <a:off x="2542911" y="5363971"/>
+            <a:ext cx="518340" cy="461395"/>
+          </a:xfrm>
+          <a:prstGeom prst="rightArrow">
+            <a:avLst/>
+          </a:prstGeom>
+        </p:spPr>
+        <p:style>
+          <a:lnRef idx="2">
+            <a:schemeClr val="accent1">
+              <a:shade val="50000"/>
+            </a:schemeClr>
+          </a:lnRef>
+          <a:fillRef idx="1">
+            <a:schemeClr val="accent1"/>
+          </a:fillRef>
+          <a:effectRef idx="0">
+            <a:schemeClr val="accent1"/>
+          </a:effectRef>
+          <a:fontRef idx="minor">
+            <a:schemeClr val="lt1"/>
+          </a:fontRef>
+        </p:style>
+        <p:txBody>
+          <a:bodyPr rtlCol="0" anchor="ctr"/>
+          <a:lstStyle/>
+          <a:p>
+            <a:pPr algn="ctr"/>
+            <a:endParaRPr lang="ko-KR" altLang="en-US"/>
+          </a:p>
+        </p:txBody>
+      </p:sp>
+      <p:pic>
+        <p:nvPicPr>
+          <p:cNvPr id="22" name="그림 21" descr="텍스트이(가) 표시된 사진&#10;&#10;자동 생성된 설명">
+            <a:extLst>
+              <a:ext uri="{FF2B5EF4-FFF2-40B4-BE49-F238E27FC236}">
+                <a16:creationId xmlns:a16="http://schemas.microsoft.com/office/drawing/2014/main" id="{89058D05-BF8A-406D-B335-E6C402BA4BB3}"/>
+              </a:ext>
+            </a:extLst>
+          </p:cNvPr>
+          <p:cNvPicPr>
+            <a:picLocks noChangeAspect="1"/>
+          </p:cNvPicPr>
+          <p:nvPr/>
+        </p:nvPicPr>
+        <p:blipFill>
+          <a:blip r:embed="rId4"/>
+          <a:stretch>
+            <a:fillRect/>
+          </a:stretch>
+        </p:blipFill>
+        <p:spPr>
+          <a:xfrm>
+            <a:off x="7031338" y="4151295"/>
+            <a:ext cx="4429685" cy="2460936"/>
+          </a:xfrm>
+          <a:prstGeom prst="rect">
+            <a:avLst/>
+          </a:prstGeom>
+        </p:spPr>
+      </p:pic>
+      <p:pic>
+        <p:nvPicPr>
+          <p:cNvPr id="32" name="그림 31" descr="텍스트이(가) 표시된 사진&#10;&#10;자동 생성된 설명">
+            <a:extLst>
+              <a:ext uri="{FF2B5EF4-FFF2-40B4-BE49-F238E27FC236}">
+                <a16:creationId xmlns:a16="http://schemas.microsoft.com/office/drawing/2014/main" id="{8B6D842A-0921-43E4-A82C-FDF101CC0680}"/>
+              </a:ext>
+            </a:extLst>
+          </p:cNvPr>
+          <p:cNvPicPr>
+            <a:picLocks noChangeAspect="1"/>
+          </p:cNvPicPr>
+          <p:nvPr/>
+        </p:nvPicPr>
+        <p:blipFill>
+          <a:blip r:embed="rId5"/>
+          <a:stretch>
+            <a:fillRect/>
+          </a:stretch>
+        </p:blipFill>
+        <p:spPr>
+          <a:xfrm>
+            <a:off x="6509764" y="2632266"/>
+            <a:ext cx="2416802" cy="949957"/>
+          </a:xfrm>
+          <a:prstGeom prst="rect">
+            <a:avLst/>
+          </a:prstGeom>
+        </p:spPr>
+      </p:pic>
+      <p:pic>
+        <p:nvPicPr>
+          <p:cNvPr id="34" name="그림 33" descr="텍스트이(가) 표시된 사진&#10;&#10;자동 생성된 설명">
+            <a:extLst>
+              <a:ext uri="{FF2B5EF4-FFF2-40B4-BE49-F238E27FC236}">
+                <a16:creationId xmlns:a16="http://schemas.microsoft.com/office/drawing/2014/main" id="{0C1079CB-1B91-4264-A67E-37CC1835CFB4}"/>
+              </a:ext>
+            </a:extLst>
+          </p:cNvPr>
+          <p:cNvPicPr>
+            <a:picLocks noChangeAspect="1"/>
+          </p:cNvPicPr>
+          <p:nvPr/>
+        </p:nvPicPr>
+        <p:blipFill>
+          <a:blip r:embed="rId6"/>
+          <a:stretch>
+            <a:fillRect/>
+          </a:stretch>
+        </p:blipFill>
+        <p:spPr>
+          <a:xfrm>
+            <a:off x="9144708" y="2334808"/>
+            <a:ext cx="2316315" cy="1628300"/>
+          </a:xfrm>
+          <a:prstGeom prst="rect">
+            <a:avLst/>
+          </a:prstGeom>
+        </p:spPr>
+      </p:pic>
+      <p:pic>
+        <p:nvPicPr>
+          <p:cNvPr id="39" name="그림 38" descr="텍스트이(가) 표시된 사진&#10;&#10;자동 생성된 설명">
+            <a:extLst>
+              <a:ext uri="{FF2B5EF4-FFF2-40B4-BE49-F238E27FC236}">
+                <a16:creationId xmlns:a16="http://schemas.microsoft.com/office/drawing/2014/main" id="{DCB65104-7321-4AA9-8107-5A68A9B7CDF3}"/>
+              </a:ext>
+            </a:extLst>
+          </p:cNvPr>
+          <p:cNvPicPr>
+            <a:picLocks noChangeAspect="1"/>
+          </p:cNvPicPr>
+          <p:nvPr/>
+        </p:nvPicPr>
+        <p:blipFill>
+          <a:blip r:embed="rId7"/>
+          <a:stretch>
+            <a:fillRect/>
+          </a:stretch>
+        </p:blipFill>
+        <p:spPr>
+          <a:xfrm>
+            <a:off x="7364944" y="291746"/>
+            <a:ext cx="4096079" cy="1887100"/>
           </a:xfrm>
           <a:prstGeom prst="rect">
             <a:avLst/>
@@ -6575,7 +7305,7 @@
     </p:spTree>
     <p:extLst>
       <p:ext uri="{BB962C8B-B14F-4D97-AF65-F5344CB8AC3E}">
-        <p14:creationId xmlns:p14="http://schemas.microsoft.com/office/powerpoint/2010/main" val="1755104312"/>
+        <p14:creationId xmlns:p14="http://schemas.microsoft.com/office/powerpoint/2010/main" val="3453234625"/>
       </p:ext>
     </p:extLst>
   </p:cSld>
@@ -6604,213 +7334,155 @@
       </p:grpSpPr>
       <p:sp>
         <p:nvSpPr>
-          <p:cNvPr id="2" name="제목 1">
+          <p:cNvPr id="35" name="직사각형 34">
             <a:extLst>
               <a:ext uri="{FF2B5EF4-FFF2-40B4-BE49-F238E27FC236}">
-                <a16:creationId xmlns:a16="http://schemas.microsoft.com/office/drawing/2014/main" id="{CEAA9141-08B4-45AE-B60C-B9B998A5A70A}"/>
+                <a16:creationId xmlns:a16="http://schemas.microsoft.com/office/drawing/2014/main" id="{5B0673F8-8FF3-4116-AE67-2278E6EE72F6}"/>
               </a:ext>
             </a:extLst>
           </p:cNvPr>
-          <p:cNvSpPr>
-            <a:spLocks noGrp="1"/>
-          </p:cNvSpPr>
-          <p:nvPr>
-            <p:ph type="title"/>
-          </p:nvPr>
-        </p:nvSpPr>
-        <p:spPr>
-          <a:xfrm>
-            <a:off x="475378" y="333923"/>
-            <a:ext cx="5321415" cy="2700447"/>
-          </a:xfrm>
-        </p:spPr>
-        <p:txBody>
-          <a:bodyPr/>
+          <p:cNvSpPr/>
+          <p:nvPr/>
+        </p:nvSpPr>
+        <p:spPr>
+          <a:xfrm>
+            <a:off x="6663236" y="641758"/>
+            <a:ext cx="4882651" cy="5786497"/>
+          </a:xfrm>
+          <a:prstGeom prst="rect">
+            <a:avLst/>
+          </a:prstGeom>
+          <a:solidFill>
+            <a:schemeClr val="accent4">
+              <a:lumMod val="40000"/>
+              <a:lumOff val="60000"/>
+            </a:schemeClr>
+          </a:solidFill>
+          <a:ln>
+            <a:noFill/>
+          </a:ln>
+        </p:spPr>
+        <p:style>
+          <a:lnRef idx="2">
+            <a:schemeClr val="accent1">
+              <a:shade val="50000"/>
+            </a:schemeClr>
+          </a:lnRef>
+          <a:fillRef idx="1">
+            <a:schemeClr val="accent1"/>
+          </a:fillRef>
+          <a:effectRef idx="0">
+            <a:schemeClr val="accent1"/>
+          </a:effectRef>
+          <a:fontRef idx="minor">
+            <a:schemeClr val="lt1"/>
+          </a:fontRef>
+        </p:style>
+        <p:txBody>
+          <a:bodyPr rtlCol="0" anchor="ctr"/>
           <a:lstStyle/>
           <a:p>
-            <a:r>
-              <a:rPr lang="ko-KR" altLang="en-US" dirty="0"/>
-              <a:t>게시글 상세 조회</a:t>
-            </a:r>
-            <a:br>
-              <a:rPr lang="en-US" altLang="ko-KR" dirty="0"/>
-            </a:br>
-            <a:r>
-              <a:rPr lang="ko-KR" altLang="en-US" sz="2400" dirty="0"/>
-              <a:t>작성한 게시글을 클릭하면 내용과 사진 원본을 볼 수 있음</a:t>
-            </a:r>
-            <a:r>
-              <a:rPr lang="en-US" altLang="ko-KR" sz="2400" dirty="0"/>
-              <a:t>.</a:t>
-            </a:r>
-            <a:endParaRPr lang="ko-KR" altLang="en-US" sz="2400" dirty="0"/>
-          </a:p>
-        </p:txBody>
-      </p:sp>
-      <p:pic>
-        <p:nvPicPr>
-          <p:cNvPr id="5" name="내용 개체 틀 4">
+            <a:pPr algn="ctr"/>
+            <a:endParaRPr lang="ko-KR" altLang="en-US"/>
+          </a:p>
+        </p:txBody>
+      </p:sp>
+      <p:sp>
+        <p:nvSpPr>
+          <p:cNvPr id="5" name="텍스트 개체 틀 4">
             <a:extLst>
               <a:ext uri="{FF2B5EF4-FFF2-40B4-BE49-F238E27FC236}">
-                <a16:creationId xmlns:a16="http://schemas.microsoft.com/office/drawing/2014/main" id="{F49A7867-8832-4431-A3B0-5FBCC64D07E0}"/>
+                <a16:creationId xmlns:a16="http://schemas.microsoft.com/office/drawing/2014/main" id="{8E46C2A8-39AE-4DC3-9A87-C6389001E16B}"/>
               </a:ext>
             </a:extLst>
           </p:cNvPr>
-          <p:cNvPicPr>
-            <a:picLocks noGrp="1" noChangeAspect="1"/>
-          </p:cNvPicPr>
-          <p:nvPr>
-            <p:ph idx="1"/>
-          </p:nvPr>
-        </p:nvPicPr>
-        <p:blipFill rotWithShape="1">
-          <a:blip r:embed="rId2"/>
-          <a:srcRect t="10694" b="5054"/>
-          <a:stretch/>
-        </p:blipFill>
-        <p:spPr>
-          <a:xfrm>
-            <a:off x="6277796" y="260171"/>
-            <a:ext cx="5546009" cy="2774200"/>
-          </a:xfrm>
-        </p:spPr>
-      </p:pic>
-      <p:sp>
-        <p:nvSpPr>
-          <p:cNvPr id="6" name="제목 1">
+          <p:cNvSpPr>
+            <a:spLocks noGrp="1"/>
+          </p:cNvSpPr>
+          <p:nvPr>
+            <p:ph sz="half" idx="1"/>
+          </p:nvPr>
+        </p:nvSpPr>
+        <p:spPr>
+          <a:xfrm>
+            <a:off x="646112" y="508003"/>
+            <a:ext cx="4563451" cy="3113201"/>
+          </a:xfrm>
+        </p:spPr>
+        <p:txBody>
+          <a:bodyPr>
+            <a:normAutofit/>
+          </a:bodyPr>
+          <a:lstStyle/>
+          <a:p>
+            <a:pPr marL="0" indent="0">
+              <a:buNone/>
+            </a:pPr>
+            <a:r>
+              <a:rPr lang="ko-KR" altLang="en-US" dirty="0"/>
+              <a:t>► 로그인</a:t>
+            </a:r>
+            <a:endParaRPr lang="en-US" altLang="ko-KR" dirty="0"/>
+          </a:p>
+          <a:p>
+            <a:pPr marL="0" indent="0">
+              <a:buNone/>
+            </a:pPr>
+            <a:r>
+              <a:rPr lang="ko-KR" altLang="en-US" dirty="0"/>
+              <a:t>로그인 </a:t>
+            </a:r>
+            <a:r>
+              <a:rPr lang="en-US" altLang="ko-KR" dirty="0"/>
+              <a:t>URL</a:t>
+            </a:r>
+            <a:r>
+              <a:rPr lang="ko-KR" altLang="en-US" dirty="0"/>
+              <a:t>로 이동하면 컨트롤러에서 커맨드 객체를 만들어서 </a:t>
+            </a:r>
+            <a:r>
+              <a:rPr lang="en-US" altLang="ko-KR" dirty="0"/>
+              <a:t>Form </a:t>
+            </a:r>
+            <a:r>
+              <a:rPr lang="ko-KR" altLang="en-US" dirty="0"/>
+              <a:t>태그에 정보를 입력하게 됩니다</a:t>
+            </a:r>
+            <a:r>
+              <a:rPr lang="en-US" altLang="ko-KR" dirty="0"/>
+              <a:t>.</a:t>
+            </a:r>
+          </a:p>
+          <a:p>
+            <a:pPr marL="0" indent="0">
+              <a:buNone/>
+            </a:pPr>
+            <a:r>
+              <a:rPr lang="ko-KR" altLang="en-US" dirty="0"/>
+              <a:t>사용자가 </a:t>
+            </a:r>
+            <a:r>
+              <a:rPr lang="en-US" altLang="ko-KR" dirty="0"/>
+              <a:t>Form </a:t>
+            </a:r>
+            <a:r>
+              <a:rPr lang="ko-KR" altLang="en-US" dirty="0"/>
+              <a:t>태그에 입력한 정보를 토대로 데이터베이스에 저장된 이메일 주소를 탐색한 뒤에 입력한 비밀번호가 일치하는지를 확인하고 세션을 부여해서 로그인 상태로 전환합니다</a:t>
+            </a:r>
+            <a:r>
+              <a:rPr lang="en-US" altLang="ko-KR" dirty="0"/>
+              <a:t>.</a:t>
+            </a:r>
+            <a:endParaRPr lang="ko-KR" altLang="en-US" dirty="0"/>
+          </a:p>
+        </p:txBody>
+      </p:sp>
+      <p:pic>
+        <p:nvPicPr>
+          <p:cNvPr id="3" name="그림 2">
             <a:extLst>
               <a:ext uri="{FF2B5EF4-FFF2-40B4-BE49-F238E27FC236}">
-                <a16:creationId xmlns:a16="http://schemas.microsoft.com/office/drawing/2014/main" id="{19F68C99-C5A3-40D4-9463-A53CF0A97949}"/>
-              </a:ext>
-            </a:extLst>
-          </p:cNvPr>
-          <p:cNvSpPr txBox="1">
-            <a:spLocks/>
-          </p:cNvSpPr>
-          <p:nvPr/>
-        </p:nvSpPr>
-        <p:spPr>
-          <a:xfrm>
-            <a:off x="475377" y="3580350"/>
-            <a:ext cx="5438828" cy="2700448"/>
-          </a:xfrm>
-          <a:prstGeom prst="rect">
-            <a:avLst/>
-          </a:prstGeom>
-        </p:spPr>
-        <p:txBody>
-          <a:bodyPr vert="horz" lIns="91440" tIns="45720" rIns="91440" bIns="45720" rtlCol="0" anchor="t">
-            <a:noAutofit/>
-          </a:bodyPr>
-          <a:lstStyle>
-            <a:lvl1pPr algn="l" defTabSz="457200" rtl="0" eaLnBrk="1" latinLnBrk="1" hangingPunct="1">
-              <a:spcBef>
-                <a:spcPct val="0"/>
-              </a:spcBef>
-              <a:buNone/>
-              <a:defRPr sz="4200" b="0" i="0" kern="1200">
-                <a:solidFill>
-                  <a:schemeClr val="tx2"/>
-                </a:solidFill>
-                <a:latin typeface="+mj-lt"/>
-                <a:ea typeface="+mj-ea"/>
-                <a:cs typeface="+mj-cs"/>
-              </a:defRPr>
-            </a:lvl1pPr>
-            <a:lvl2pPr eaLnBrk="1" latinLnBrk="1" hangingPunct="1">
-              <a:defRPr>
-                <a:solidFill>
-                  <a:schemeClr val="tx2"/>
-                </a:solidFill>
-              </a:defRPr>
-            </a:lvl2pPr>
-            <a:lvl3pPr eaLnBrk="1" latinLnBrk="1" hangingPunct="1">
-              <a:defRPr>
-                <a:solidFill>
-                  <a:schemeClr val="tx2"/>
-                </a:solidFill>
-              </a:defRPr>
-            </a:lvl3pPr>
-            <a:lvl4pPr eaLnBrk="1" latinLnBrk="1" hangingPunct="1">
-              <a:defRPr>
-                <a:solidFill>
-                  <a:schemeClr val="tx2"/>
-                </a:solidFill>
-              </a:defRPr>
-            </a:lvl4pPr>
-            <a:lvl5pPr eaLnBrk="1" latinLnBrk="1" hangingPunct="1">
-              <a:defRPr>
-                <a:solidFill>
-                  <a:schemeClr val="tx2"/>
-                </a:solidFill>
-              </a:defRPr>
-            </a:lvl5pPr>
-            <a:lvl6pPr eaLnBrk="1" latinLnBrk="1" hangingPunct="1">
-              <a:defRPr>
-                <a:solidFill>
-                  <a:schemeClr val="tx2"/>
-                </a:solidFill>
-              </a:defRPr>
-            </a:lvl6pPr>
-            <a:lvl7pPr eaLnBrk="1" latinLnBrk="1" hangingPunct="1">
-              <a:defRPr>
-                <a:solidFill>
-                  <a:schemeClr val="tx2"/>
-                </a:solidFill>
-              </a:defRPr>
-            </a:lvl7pPr>
-            <a:lvl8pPr eaLnBrk="1" latinLnBrk="1" hangingPunct="1">
-              <a:defRPr>
-                <a:solidFill>
-                  <a:schemeClr val="tx2"/>
-                </a:solidFill>
-              </a:defRPr>
-            </a:lvl8pPr>
-            <a:lvl9pPr eaLnBrk="1" latinLnBrk="1" hangingPunct="1">
-              <a:defRPr>
-                <a:solidFill>
-                  <a:schemeClr val="tx2"/>
-                </a:solidFill>
-              </a:defRPr>
-            </a:lvl9pPr>
-          </a:lstStyle>
-          <a:p>
-            <a:r>
-              <a:rPr lang="ko-KR" altLang="en-US" dirty="0"/>
-              <a:t>댓글</a:t>
-            </a:r>
-          </a:p>
-          <a:p>
-            <a:r>
-              <a:rPr lang="ko-KR" altLang="en-US" sz="2400" dirty="0" err="1"/>
-              <a:t>게시글에</a:t>
-            </a:r>
-            <a:r>
-              <a:rPr lang="ko-KR" altLang="en-US" sz="2400" dirty="0"/>
-              <a:t> 댓글을 달 수 있음</a:t>
-            </a:r>
-            <a:r>
-              <a:rPr lang="en-US" altLang="ko-KR" sz="2400" dirty="0"/>
-              <a:t>. AJAX </a:t>
-            </a:r>
-            <a:r>
-              <a:rPr lang="ko-KR" altLang="en-US" sz="2400" dirty="0"/>
-              <a:t>방식으로 작동</a:t>
-            </a:r>
-            <a:r>
-              <a:rPr lang="en-US" altLang="ko-KR" sz="2400" dirty="0"/>
-              <a:t>.</a:t>
-            </a:r>
-            <a:endParaRPr lang="ko-KR" altLang="en-US" sz="2400" dirty="0"/>
-          </a:p>
-        </p:txBody>
-      </p:sp>
-      <p:pic>
-        <p:nvPicPr>
-          <p:cNvPr id="7" name="내용 개체 틀 4">
-            <a:extLst>
-              <a:ext uri="{FF2B5EF4-FFF2-40B4-BE49-F238E27FC236}">
-                <a16:creationId xmlns:a16="http://schemas.microsoft.com/office/drawing/2014/main" id="{17BB0E54-F71B-4F40-8AEC-D27EDC7C853B}"/>
+                <a16:creationId xmlns:a16="http://schemas.microsoft.com/office/drawing/2014/main" id="{A62DF7EB-5DB1-4DC0-9967-D1D3F4FCE80C}"/>
               </a:ext>
             </a:extLst>
           </p:cNvPr>
@@ -6819,15 +7491,797 @@
           </p:cNvPicPr>
           <p:nvPr/>
         </p:nvPicPr>
-        <p:blipFill rotWithShape="1">
+        <p:blipFill>
+          <a:blip r:embed="rId2"/>
+          <a:stretch>
+            <a:fillRect/>
+          </a:stretch>
+        </p:blipFill>
+        <p:spPr>
+          <a:xfrm>
+            <a:off x="7087228" y="913563"/>
+            <a:ext cx="3853718" cy="2324912"/>
+          </a:xfrm>
+          <a:prstGeom prst="rect">
+            <a:avLst/>
+          </a:prstGeom>
+        </p:spPr>
+      </p:pic>
+      <p:pic>
+        <p:nvPicPr>
+          <p:cNvPr id="6" name="그림 5" descr="텍스트이(가) 표시된 사진&#10;&#10;자동 생성된 설명">
+            <a:extLst>
+              <a:ext uri="{FF2B5EF4-FFF2-40B4-BE49-F238E27FC236}">
+                <a16:creationId xmlns:a16="http://schemas.microsoft.com/office/drawing/2014/main" id="{0C5D26F1-97AA-4E79-976F-3C21BEDFE4D9}"/>
+              </a:ext>
+            </a:extLst>
+          </p:cNvPr>
+          <p:cNvPicPr>
+            <a:picLocks noChangeAspect="1"/>
+          </p:cNvPicPr>
+          <p:nvPr/>
+        </p:nvPicPr>
+        <p:blipFill>
           <a:blip r:embed="rId3"/>
-          <a:srcRect t="10528" b="3826"/>
-          <a:stretch/>
+          <a:stretch>
+            <a:fillRect/>
+          </a:stretch>
         </p:blipFill>
         <p:spPr>
           <a:xfrm>
-            <a:off x="6277795" y="3506598"/>
-            <a:ext cx="5546009" cy="2774200"/>
+            <a:off x="646112" y="3851384"/>
+            <a:ext cx="4763165" cy="2576872"/>
+          </a:xfrm>
+          <a:prstGeom prst="rect">
+            <a:avLst/>
+          </a:prstGeom>
+        </p:spPr>
+      </p:pic>
+      <p:pic>
+        <p:nvPicPr>
+          <p:cNvPr id="8" name="그림 7" descr="텍스트이(가) 표시된 사진&#10;&#10;자동 생성된 설명">
+            <a:extLst>
+              <a:ext uri="{FF2B5EF4-FFF2-40B4-BE49-F238E27FC236}">
+                <a16:creationId xmlns:a16="http://schemas.microsoft.com/office/drawing/2014/main" id="{4D41D225-6E82-4FCE-87E5-6A76E6EB2A87}"/>
+              </a:ext>
+            </a:extLst>
+          </p:cNvPr>
+          <p:cNvPicPr>
+            <a:picLocks noChangeAspect="1"/>
+          </p:cNvPicPr>
+          <p:nvPr/>
+        </p:nvPicPr>
+        <p:blipFill>
+          <a:blip r:embed="rId4"/>
+          <a:stretch>
+            <a:fillRect/>
+          </a:stretch>
+        </p:blipFill>
+        <p:spPr>
+          <a:xfrm>
+            <a:off x="7024469" y="3979415"/>
+            <a:ext cx="4160184" cy="2174747"/>
+          </a:xfrm>
+          <a:prstGeom prst="rect">
+            <a:avLst/>
+          </a:prstGeom>
+        </p:spPr>
+      </p:pic>
+      <p:sp>
+        <p:nvSpPr>
+          <p:cNvPr id="9" name="화살표: 오른쪽 8">
+            <a:extLst>
+              <a:ext uri="{FF2B5EF4-FFF2-40B4-BE49-F238E27FC236}">
+                <a16:creationId xmlns:a16="http://schemas.microsoft.com/office/drawing/2014/main" id="{08559289-4BFF-404D-876D-8208C09EC883}"/>
+              </a:ext>
+            </a:extLst>
+          </p:cNvPr>
+          <p:cNvSpPr/>
+          <p:nvPr/>
+        </p:nvSpPr>
+        <p:spPr>
+          <a:xfrm rot="5400000">
+            <a:off x="8835250" y="3377505"/>
+            <a:ext cx="538621" cy="487399"/>
+          </a:xfrm>
+          <a:prstGeom prst="rightArrow">
+            <a:avLst/>
+          </a:prstGeom>
+        </p:spPr>
+        <p:style>
+          <a:lnRef idx="2">
+            <a:schemeClr val="accent1">
+              <a:shade val="50000"/>
+            </a:schemeClr>
+          </a:lnRef>
+          <a:fillRef idx="1">
+            <a:schemeClr val="accent1"/>
+          </a:fillRef>
+          <a:effectRef idx="0">
+            <a:schemeClr val="accent1"/>
+          </a:effectRef>
+          <a:fontRef idx="minor">
+            <a:schemeClr val="lt1"/>
+          </a:fontRef>
+        </p:style>
+        <p:txBody>
+          <a:bodyPr rtlCol="0" anchor="ctr"/>
+          <a:lstStyle/>
+          <a:p>
+            <a:pPr algn="ctr"/>
+            <a:endParaRPr lang="ko-KR" altLang="en-US"/>
+          </a:p>
+        </p:txBody>
+      </p:sp>
+    </p:spTree>
+    <p:extLst>
+      <p:ext uri="{BB962C8B-B14F-4D97-AF65-F5344CB8AC3E}">
+        <p14:creationId xmlns:p14="http://schemas.microsoft.com/office/powerpoint/2010/main" val="3691042242"/>
+      </p:ext>
+    </p:extLst>
+  </p:cSld>
+  <p:clrMapOvr>
+    <a:masterClrMapping/>
+  </p:clrMapOvr>
+</p:sld>
+</file>
+
+<file path=ppt/slides/slide5.xml><?xml version="1.0" encoding="utf-8"?>
+<p:sld xmlns:a="http://schemas.openxmlformats.org/drawingml/2006/main" xmlns:r="http://schemas.openxmlformats.org/officeDocument/2006/relationships" xmlns:p="http://schemas.openxmlformats.org/presentationml/2006/main">
+  <p:cSld>
+    <p:spTree>
+      <p:nvGrpSpPr>
+        <p:cNvPr id="1" name=""/>
+        <p:cNvGrpSpPr/>
+        <p:nvPr/>
+      </p:nvGrpSpPr>
+      <p:grpSpPr>
+        <a:xfrm>
+          <a:off x="0" y="0"/>
+          <a:ext cx="0" cy="0"/>
+          <a:chOff x="0" y="0"/>
+          <a:chExt cx="0" cy="0"/>
+        </a:xfrm>
+      </p:grpSpPr>
+      <p:sp>
+        <p:nvSpPr>
+          <p:cNvPr id="20" name="직사각형 19">
+            <a:extLst>
+              <a:ext uri="{FF2B5EF4-FFF2-40B4-BE49-F238E27FC236}">
+                <a16:creationId xmlns:a16="http://schemas.microsoft.com/office/drawing/2014/main" id="{0ECF2AEC-78EA-4D26-9735-B3E2F9D2A4AC}"/>
+              </a:ext>
+            </a:extLst>
+          </p:cNvPr>
+          <p:cNvSpPr/>
+          <p:nvPr/>
+        </p:nvSpPr>
+        <p:spPr>
+          <a:xfrm>
+            <a:off x="251670" y="2701255"/>
+            <a:ext cx="11736198" cy="3910976"/>
+          </a:xfrm>
+          <a:prstGeom prst="rect">
+            <a:avLst/>
+          </a:prstGeom>
+          <a:solidFill>
+            <a:schemeClr val="accent4">
+              <a:lumMod val="40000"/>
+              <a:lumOff val="60000"/>
+            </a:schemeClr>
+          </a:solidFill>
+          <a:ln>
+            <a:noFill/>
+          </a:ln>
+        </p:spPr>
+        <p:style>
+          <a:lnRef idx="2">
+            <a:schemeClr val="accent1">
+              <a:shade val="50000"/>
+            </a:schemeClr>
+          </a:lnRef>
+          <a:fillRef idx="1">
+            <a:schemeClr val="accent1"/>
+          </a:fillRef>
+          <a:effectRef idx="0">
+            <a:schemeClr val="accent1"/>
+          </a:effectRef>
+          <a:fontRef idx="minor">
+            <a:schemeClr val="lt1"/>
+          </a:fontRef>
+        </p:style>
+        <p:txBody>
+          <a:bodyPr rtlCol="0" anchor="ctr"/>
+          <a:lstStyle/>
+          <a:p>
+            <a:pPr algn="ctr"/>
+            <a:endParaRPr lang="ko-KR" altLang="en-US"/>
+          </a:p>
+        </p:txBody>
+      </p:sp>
+      <p:sp>
+        <p:nvSpPr>
+          <p:cNvPr id="5" name="텍스트 개체 틀 4">
+            <a:extLst>
+              <a:ext uri="{FF2B5EF4-FFF2-40B4-BE49-F238E27FC236}">
+                <a16:creationId xmlns:a16="http://schemas.microsoft.com/office/drawing/2014/main" id="{8E46C2A8-39AE-4DC3-9A87-C6389001E16B}"/>
+              </a:ext>
+            </a:extLst>
+          </p:cNvPr>
+          <p:cNvSpPr>
+            <a:spLocks noGrp="1"/>
+          </p:cNvSpPr>
+          <p:nvPr>
+            <p:ph sz="half" idx="1"/>
+          </p:nvPr>
+        </p:nvSpPr>
+        <p:spPr>
+          <a:xfrm>
+            <a:off x="646112" y="508003"/>
+            <a:ext cx="9487789" cy="2060861"/>
+          </a:xfrm>
+        </p:spPr>
+        <p:txBody>
+          <a:bodyPr>
+            <a:normAutofit/>
+          </a:bodyPr>
+          <a:lstStyle/>
+          <a:p>
+            <a:pPr marL="0" indent="0">
+              <a:buNone/>
+            </a:pPr>
+            <a:r>
+              <a:rPr lang="ko-KR" altLang="en-US" dirty="0"/>
+              <a:t>► 게시글 작성</a:t>
+            </a:r>
+            <a:endParaRPr lang="en-US" altLang="ko-KR" dirty="0"/>
+          </a:p>
+          <a:p>
+            <a:pPr marL="0" indent="0">
+              <a:buNone/>
+            </a:pPr>
+            <a:r>
+              <a:rPr lang="ko-KR" altLang="en-US" dirty="0"/>
+              <a:t>로그인 상태에서 게시글 작성 버튼을 누르게 되면 컨트롤러에서 커맨드 객체를 생성합니다</a:t>
+            </a:r>
+            <a:r>
+              <a:rPr lang="en-US" altLang="ko-KR" dirty="0"/>
+              <a:t>.</a:t>
+            </a:r>
+          </a:p>
+          <a:p>
+            <a:pPr marL="0" indent="0">
+              <a:buNone/>
+            </a:pPr>
+            <a:r>
+              <a:rPr lang="ko-KR" altLang="en-US" dirty="0"/>
+              <a:t>페이지에 게시글의 제목과 내용</a:t>
+            </a:r>
+            <a:r>
+              <a:rPr lang="en-US" altLang="ko-KR" dirty="0"/>
+              <a:t>, </a:t>
+            </a:r>
+            <a:r>
+              <a:rPr lang="ko-KR" altLang="en-US" dirty="0"/>
+              <a:t>그리고 첨부할 사진을 넣을지를 선택할 수 있으며 첨부파일을 넣는 경우에는 웹 어플리케이션의 </a:t>
+            </a:r>
+            <a:r>
+              <a:rPr lang="en-US" altLang="ko-KR" dirty="0"/>
+              <a:t>main/resources </a:t>
+            </a:r>
+            <a:r>
+              <a:rPr lang="ko-KR" altLang="en-US" dirty="0"/>
+              <a:t>경로에 저장됩니다</a:t>
+            </a:r>
+            <a:r>
+              <a:rPr lang="en-US" altLang="ko-KR" dirty="0"/>
+              <a:t>.</a:t>
+            </a:r>
+          </a:p>
+        </p:txBody>
+      </p:sp>
+      <p:pic>
+        <p:nvPicPr>
+          <p:cNvPr id="4" name="그림 3" descr="텍스트이(가) 표시된 사진&#10;&#10;자동 생성된 설명">
+            <a:extLst>
+              <a:ext uri="{FF2B5EF4-FFF2-40B4-BE49-F238E27FC236}">
+                <a16:creationId xmlns:a16="http://schemas.microsoft.com/office/drawing/2014/main" id="{6BC1D8D2-9CBB-4BD1-8DDA-D4E7AEAA24AB}"/>
+              </a:ext>
+            </a:extLst>
+          </p:cNvPr>
+          <p:cNvPicPr>
+            <a:picLocks noChangeAspect="1"/>
+          </p:cNvPicPr>
+          <p:nvPr/>
+        </p:nvPicPr>
+        <p:blipFill>
+          <a:blip r:embed="rId2"/>
+          <a:stretch>
+            <a:fillRect/>
+          </a:stretch>
+        </p:blipFill>
+        <p:spPr>
+          <a:xfrm>
+            <a:off x="385299" y="3363003"/>
+            <a:ext cx="2608298" cy="2587348"/>
+          </a:xfrm>
+          <a:prstGeom prst="rect">
+            <a:avLst/>
+          </a:prstGeom>
+        </p:spPr>
+      </p:pic>
+      <p:pic>
+        <p:nvPicPr>
+          <p:cNvPr id="14" name="그림 13" descr="텍스트, 모니터, 화면, 정장이(가) 표시된 사진&#10;&#10;자동 생성된 설명">
+            <a:extLst>
+              <a:ext uri="{FF2B5EF4-FFF2-40B4-BE49-F238E27FC236}">
+                <a16:creationId xmlns:a16="http://schemas.microsoft.com/office/drawing/2014/main" id="{E96E00F4-83C8-46BA-A960-D34C18667843}"/>
+              </a:ext>
+            </a:extLst>
+          </p:cNvPr>
+          <p:cNvPicPr>
+            <a:picLocks noChangeAspect="1"/>
+          </p:cNvPicPr>
+          <p:nvPr/>
+        </p:nvPicPr>
+        <p:blipFill>
+          <a:blip r:embed="rId3"/>
+          <a:stretch>
+            <a:fillRect/>
+          </a:stretch>
+        </p:blipFill>
+        <p:spPr>
+          <a:xfrm>
+            <a:off x="9060358" y="2876768"/>
+            <a:ext cx="2683052" cy="3603072"/>
+          </a:xfrm>
+          <a:prstGeom prst="rect">
+            <a:avLst/>
+          </a:prstGeom>
+        </p:spPr>
+      </p:pic>
+      <p:pic>
+        <p:nvPicPr>
+          <p:cNvPr id="16" name="그림 15">
+            <a:extLst>
+              <a:ext uri="{FF2B5EF4-FFF2-40B4-BE49-F238E27FC236}">
+                <a16:creationId xmlns:a16="http://schemas.microsoft.com/office/drawing/2014/main" id="{E153B3BC-DAF8-46C7-899E-F0BFE49704A7}"/>
+              </a:ext>
+            </a:extLst>
+          </p:cNvPr>
+          <p:cNvPicPr>
+            <a:picLocks noChangeAspect="1"/>
+          </p:cNvPicPr>
+          <p:nvPr/>
+        </p:nvPicPr>
+        <p:blipFill>
+          <a:blip r:embed="rId4"/>
+          <a:stretch>
+            <a:fillRect/>
+          </a:stretch>
+        </p:blipFill>
+        <p:spPr>
+          <a:xfrm>
+            <a:off x="3858211" y="3220346"/>
+            <a:ext cx="4274242" cy="2872661"/>
+          </a:xfrm>
+          <a:prstGeom prst="rect">
+            <a:avLst/>
+          </a:prstGeom>
+        </p:spPr>
+      </p:pic>
+      <p:sp>
+        <p:nvSpPr>
+          <p:cNvPr id="17" name="화살표: 오른쪽 16">
+            <a:extLst>
+              <a:ext uri="{FF2B5EF4-FFF2-40B4-BE49-F238E27FC236}">
+                <a16:creationId xmlns:a16="http://schemas.microsoft.com/office/drawing/2014/main" id="{18990183-39B0-4874-A799-798EB5A31EAF}"/>
+              </a:ext>
+            </a:extLst>
+          </p:cNvPr>
+          <p:cNvSpPr/>
+          <p:nvPr/>
+        </p:nvSpPr>
+        <p:spPr>
+          <a:xfrm>
+            <a:off x="3209529" y="4429452"/>
+            <a:ext cx="555607" cy="497703"/>
+          </a:xfrm>
+          <a:prstGeom prst="rightArrow">
+            <a:avLst/>
+          </a:prstGeom>
+        </p:spPr>
+        <p:style>
+          <a:lnRef idx="2">
+            <a:schemeClr val="accent1">
+              <a:shade val="50000"/>
+            </a:schemeClr>
+          </a:lnRef>
+          <a:fillRef idx="1">
+            <a:schemeClr val="accent1"/>
+          </a:fillRef>
+          <a:effectRef idx="0">
+            <a:schemeClr val="accent1"/>
+          </a:effectRef>
+          <a:fontRef idx="minor">
+            <a:schemeClr val="lt1"/>
+          </a:fontRef>
+        </p:style>
+        <p:txBody>
+          <a:bodyPr rtlCol="0" anchor="ctr"/>
+          <a:lstStyle/>
+          <a:p>
+            <a:pPr algn="ctr"/>
+            <a:endParaRPr lang="ko-KR" altLang="en-US"/>
+          </a:p>
+        </p:txBody>
+      </p:sp>
+      <p:sp>
+        <p:nvSpPr>
+          <p:cNvPr id="19" name="화살표: 오른쪽 18">
+            <a:extLst>
+              <a:ext uri="{FF2B5EF4-FFF2-40B4-BE49-F238E27FC236}">
+                <a16:creationId xmlns:a16="http://schemas.microsoft.com/office/drawing/2014/main" id="{8423FCE1-C112-490B-A349-7B88B4DD5253}"/>
+              </a:ext>
+            </a:extLst>
+          </p:cNvPr>
+          <p:cNvSpPr/>
+          <p:nvPr/>
+        </p:nvSpPr>
+        <p:spPr>
+          <a:xfrm>
+            <a:off x="8318602" y="4407824"/>
+            <a:ext cx="555607" cy="497703"/>
+          </a:xfrm>
+          <a:prstGeom prst="rightArrow">
+            <a:avLst/>
+          </a:prstGeom>
+        </p:spPr>
+        <p:style>
+          <a:lnRef idx="2">
+            <a:schemeClr val="accent1">
+              <a:shade val="50000"/>
+            </a:schemeClr>
+          </a:lnRef>
+          <a:fillRef idx="1">
+            <a:schemeClr val="accent1"/>
+          </a:fillRef>
+          <a:effectRef idx="0">
+            <a:schemeClr val="accent1"/>
+          </a:effectRef>
+          <a:fontRef idx="minor">
+            <a:schemeClr val="lt1"/>
+          </a:fontRef>
+        </p:style>
+        <p:txBody>
+          <a:bodyPr rtlCol="0" anchor="ctr"/>
+          <a:lstStyle/>
+          <a:p>
+            <a:pPr algn="ctr"/>
+            <a:endParaRPr lang="ko-KR" altLang="en-US"/>
+          </a:p>
+        </p:txBody>
+      </p:sp>
+    </p:spTree>
+    <p:extLst>
+      <p:ext uri="{BB962C8B-B14F-4D97-AF65-F5344CB8AC3E}">
+        <p14:creationId xmlns:p14="http://schemas.microsoft.com/office/powerpoint/2010/main" val="715799476"/>
+      </p:ext>
+    </p:extLst>
+  </p:cSld>
+  <p:clrMapOvr>
+    <a:masterClrMapping/>
+  </p:clrMapOvr>
+</p:sld>
+</file>
+
+<file path=ppt/slides/slide6.xml><?xml version="1.0" encoding="utf-8"?>
+<p:sld xmlns:a="http://schemas.openxmlformats.org/drawingml/2006/main" xmlns:r="http://schemas.openxmlformats.org/officeDocument/2006/relationships" xmlns:p="http://schemas.openxmlformats.org/presentationml/2006/main">
+  <p:cSld>
+    <p:spTree>
+      <p:nvGrpSpPr>
+        <p:cNvPr id="1" name=""/>
+        <p:cNvGrpSpPr/>
+        <p:nvPr/>
+      </p:nvGrpSpPr>
+      <p:grpSpPr>
+        <a:xfrm>
+          <a:off x="0" y="0"/>
+          <a:ext cx="0" cy="0"/>
+          <a:chOff x="0" y="0"/>
+          <a:chExt cx="0" cy="0"/>
+        </a:xfrm>
+      </p:grpSpPr>
+      <p:sp>
+        <p:nvSpPr>
+          <p:cNvPr id="20" name="직사각형 19">
+            <a:extLst>
+              <a:ext uri="{FF2B5EF4-FFF2-40B4-BE49-F238E27FC236}">
+                <a16:creationId xmlns:a16="http://schemas.microsoft.com/office/drawing/2014/main" id="{0ECF2AEC-78EA-4D26-9735-B3E2F9D2A4AC}"/>
+              </a:ext>
+            </a:extLst>
+          </p:cNvPr>
+          <p:cNvSpPr/>
+          <p:nvPr/>
+        </p:nvSpPr>
+        <p:spPr>
+          <a:xfrm>
+            <a:off x="5662569" y="437378"/>
+            <a:ext cx="6174297" cy="5912619"/>
+          </a:xfrm>
+          <a:prstGeom prst="rect">
+            <a:avLst/>
+          </a:prstGeom>
+          <a:solidFill>
+            <a:schemeClr val="accent4">
+              <a:lumMod val="40000"/>
+              <a:lumOff val="60000"/>
+            </a:schemeClr>
+          </a:solidFill>
+          <a:ln>
+            <a:noFill/>
+          </a:ln>
+        </p:spPr>
+        <p:style>
+          <a:lnRef idx="2">
+            <a:schemeClr val="accent1">
+              <a:shade val="50000"/>
+            </a:schemeClr>
+          </a:lnRef>
+          <a:fillRef idx="1">
+            <a:schemeClr val="accent1"/>
+          </a:fillRef>
+          <a:effectRef idx="0">
+            <a:schemeClr val="accent1"/>
+          </a:effectRef>
+          <a:fontRef idx="minor">
+            <a:schemeClr val="lt1"/>
+          </a:fontRef>
+        </p:style>
+        <p:txBody>
+          <a:bodyPr rtlCol="0" anchor="ctr"/>
+          <a:lstStyle/>
+          <a:p>
+            <a:pPr algn="ctr"/>
+            <a:endParaRPr lang="ko-KR" altLang="en-US"/>
+          </a:p>
+        </p:txBody>
+      </p:sp>
+      <p:sp>
+        <p:nvSpPr>
+          <p:cNvPr id="5" name="텍스트 개체 틀 4">
+            <a:extLst>
+              <a:ext uri="{FF2B5EF4-FFF2-40B4-BE49-F238E27FC236}">
+                <a16:creationId xmlns:a16="http://schemas.microsoft.com/office/drawing/2014/main" id="{8E46C2A8-39AE-4DC3-9A87-C6389001E16B}"/>
+              </a:ext>
+            </a:extLst>
+          </p:cNvPr>
+          <p:cNvSpPr>
+            <a:spLocks noGrp="1"/>
+          </p:cNvSpPr>
+          <p:nvPr>
+            <p:ph sz="half" idx="1"/>
+          </p:nvPr>
+        </p:nvSpPr>
+        <p:spPr>
+          <a:xfrm>
+            <a:off x="646113" y="508003"/>
+            <a:ext cx="4387282" cy="1668556"/>
+          </a:xfrm>
+        </p:spPr>
+        <p:txBody>
+          <a:bodyPr>
+            <a:normAutofit/>
+          </a:bodyPr>
+          <a:lstStyle/>
+          <a:p>
+            <a:pPr marL="0" indent="0">
+              <a:buNone/>
+            </a:pPr>
+            <a:r>
+              <a:rPr lang="ko-KR" altLang="en-US" dirty="0"/>
+              <a:t>► 댓글 작성</a:t>
+            </a:r>
+            <a:endParaRPr lang="en-US" altLang="ko-KR" dirty="0"/>
+          </a:p>
+          <a:p>
+            <a:pPr marL="0" indent="0">
+              <a:buNone/>
+            </a:pPr>
+            <a:r>
+              <a:rPr lang="ko-KR" altLang="en-US" dirty="0"/>
+              <a:t>작성된 게시글 하단에 댓글을 입력할 수 있습니다</a:t>
+            </a:r>
+            <a:r>
+              <a:rPr lang="en-US" altLang="ko-KR" dirty="0"/>
+              <a:t>. </a:t>
+            </a:r>
+            <a:r>
+              <a:rPr lang="ko-KR" altLang="en-US" dirty="0"/>
+              <a:t>페이지 </a:t>
+            </a:r>
+            <a:r>
+              <a:rPr lang="ko-KR" altLang="en-US" dirty="0" err="1"/>
+              <a:t>새로고침</a:t>
+            </a:r>
+            <a:r>
+              <a:rPr lang="ko-KR" altLang="en-US" dirty="0"/>
+              <a:t> 없이 바로 볼 수 있도록 </a:t>
+            </a:r>
+            <a:r>
+              <a:rPr lang="en-US" altLang="ko-KR" dirty="0"/>
+              <a:t>AJAX </a:t>
+            </a:r>
+            <a:r>
+              <a:rPr lang="ko-KR" altLang="en-US" dirty="0"/>
+              <a:t>방식으로 구현했습니다</a:t>
+            </a:r>
+            <a:r>
+              <a:rPr lang="en-US" altLang="ko-KR" dirty="0"/>
+              <a:t>.</a:t>
+            </a:r>
+          </a:p>
+        </p:txBody>
+      </p:sp>
+      <p:pic>
+        <p:nvPicPr>
+          <p:cNvPr id="3" name="그림 2">
+            <a:extLst>
+              <a:ext uri="{FF2B5EF4-FFF2-40B4-BE49-F238E27FC236}">
+                <a16:creationId xmlns:a16="http://schemas.microsoft.com/office/drawing/2014/main" id="{8F4277FF-2073-4A83-B7AA-C5F04CA4283E}"/>
+              </a:ext>
+            </a:extLst>
+          </p:cNvPr>
+          <p:cNvPicPr>
+            <a:picLocks noChangeAspect="1"/>
+          </p:cNvPicPr>
+          <p:nvPr/>
+        </p:nvPicPr>
+        <p:blipFill>
+          <a:blip r:embed="rId2"/>
+          <a:stretch>
+            <a:fillRect/>
+          </a:stretch>
+        </p:blipFill>
+        <p:spPr>
+          <a:xfrm>
+            <a:off x="5868909" y="783147"/>
+            <a:ext cx="5786780" cy="1871224"/>
+          </a:xfrm>
+          <a:prstGeom prst="rect">
+            <a:avLst/>
+          </a:prstGeom>
+        </p:spPr>
+      </p:pic>
+      <p:pic>
+        <p:nvPicPr>
+          <p:cNvPr id="7" name="그림 6">
+            <a:extLst>
+              <a:ext uri="{FF2B5EF4-FFF2-40B4-BE49-F238E27FC236}">
+                <a16:creationId xmlns:a16="http://schemas.microsoft.com/office/drawing/2014/main" id="{DE5EB736-621F-4340-95E3-7E21837072AC}"/>
+              </a:ext>
+            </a:extLst>
+          </p:cNvPr>
+          <p:cNvPicPr>
+            <a:picLocks noChangeAspect="1"/>
+          </p:cNvPicPr>
+          <p:nvPr/>
+        </p:nvPicPr>
+        <p:blipFill>
+          <a:blip r:embed="rId3"/>
+          <a:stretch>
+            <a:fillRect/>
+          </a:stretch>
+        </p:blipFill>
+        <p:spPr>
+          <a:xfrm>
+            <a:off x="6121915" y="3429000"/>
+            <a:ext cx="5280768" cy="2594772"/>
+          </a:xfrm>
+          <a:prstGeom prst="rect">
+            <a:avLst/>
+          </a:prstGeom>
+        </p:spPr>
+      </p:pic>
+      <p:sp>
+        <p:nvSpPr>
+          <p:cNvPr id="8" name="화살표: 아래쪽 7">
+            <a:extLst>
+              <a:ext uri="{FF2B5EF4-FFF2-40B4-BE49-F238E27FC236}">
+                <a16:creationId xmlns:a16="http://schemas.microsoft.com/office/drawing/2014/main" id="{9A7410A6-01E1-448F-A512-7CB2F7668C05}"/>
+              </a:ext>
+            </a:extLst>
+          </p:cNvPr>
+          <p:cNvSpPr/>
+          <p:nvPr/>
+        </p:nvSpPr>
+        <p:spPr>
+          <a:xfrm>
+            <a:off x="8481269" y="2765712"/>
+            <a:ext cx="536896" cy="551947"/>
+          </a:xfrm>
+          <a:prstGeom prst="downArrow">
+            <a:avLst/>
+          </a:prstGeom>
+        </p:spPr>
+        <p:style>
+          <a:lnRef idx="2">
+            <a:schemeClr val="accent1">
+              <a:shade val="50000"/>
+            </a:schemeClr>
+          </a:lnRef>
+          <a:fillRef idx="1">
+            <a:schemeClr val="accent1"/>
+          </a:fillRef>
+          <a:effectRef idx="0">
+            <a:schemeClr val="accent1"/>
+          </a:effectRef>
+          <a:fontRef idx="minor">
+            <a:schemeClr val="lt1"/>
+          </a:fontRef>
+        </p:style>
+        <p:txBody>
+          <a:bodyPr rtlCol="0" anchor="ctr"/>
+          <a:lstStyle/>
+          <a:p>
+            <a:pPr algn="ctr"/>
+            <a:endParaRPr lang="ko-KR" altLang="en-US"/>
+          </a:p>
+        </p:txBody>
+      </p:sp>
+      <p:pic>
+        <p:nvPicPr>
+          <p:cNvPr id="4" name="그림 3" descr="텍스트이(가) 표시된 사진&#10;&#10;자동 생성된 설명">
+            <a:extLst>
+              <a:ext uri="{FF2B5EF4-FFF2-40B4-BE49-F238E27FC236}">
+                <a16:creationId xmlns:a16="http://schemas.microsoft.com/office/drawing/2014/main" id="{E58622C8-DE90-459F-BD61-C00414ADE0CB}"/>
+              </a:ext>
+            </a:extLst>
+          </p:cNvPr>
+          <p:cNvPicPr>
+            <a:picLocks noChangeAspect="1"/>
+          </p:cNvPicPr>
+          <p:nvPr/>
+        </p:nvPicPr>
+        <p:blipFill>
+          <a:blip r:embed="rId4"/>
+          <a:stretch>
+            <a:fillRect/>
+          </a:stretch>
+        </p:blipFill>
+        <p:spPr>
+          <a:xfrm>
+            <a:off x="2559246" y="2288997"/>
+            <a:ext cx="2788736" cy="1505376"/>
+          </a:xfrm>
+          <a:prstGeom prst="rect">
+            <a:avLst/>
+          </a:prstGeom>
+        </p:spPr>
+      </p:pic>
+      <p:pic>
+        <p:nvPicPr>
+          <p:cNvPr id="9" name="그림 8" descr="텍스트이(가) 표시된 사진&#10;&#10;자동 생성된 설명">
+            <a:extLst>
+              <a:ext uri="{FF2B5EF4-FFF2-40B4-BE49-F238E27FC236}">
+                <a16:creationId xmlns:a16="http://schemas.microsoft.com/office/drawing/2014/main" id="{D3B4CA04-48EA-41EE-9BEE-66CEF1C1C777}"/>
+              </a:ext>
+            </a:extLst>
+          </p:cNvPr>
+          <p:cNvPicPr>
+            <a:picLocks noChangeAspect="1"/>
+          </p:cNvPicPr>
+          <p:nvPr/>
+        </p:nvPicPr>
+        <p:blipFill>
+          <a:blip r:embed="rId5"/>
+          <a:stretch>
+            <a:fillRect/>
+          </a:stretch>
+        </p:blipFill>
+        <p:spPr>
+          <a:xfrm>
+            <a:off x="976318" y="3906811"/>
+            <a:ext cx="4371664" cy="2653402"/>
           </a:xfrm>
           <a:prstGeom prst="rect">
             <a:avLst/>
@@ -6837,7 +8291,938 @@
     </p:spTree>
     <p:extLst>
       <p:ext uri="{BB962C8B-B14F-4D97-AF65-F5344CB8AC3E}">
-        <p14:creationId xmlns:p14="http://schemas.microsoft.com/office/powerpoint/2010/main" val="3774950422"/>
+        <p14:creationId xmlns:p14="http://schemas.microsoft.com/office/powerpoint/2010/main" val="4178942737"/>
+      </p:ext>
+    </p:extLst>
+  </p:cSld>
+  <p:clrMapOvr>
+    <a:masterClrMapping/>
+  </p:clrMapOvr>
+</p:sld>
+</file>
+
+<file path=ppt/slides/slide7.xml><?xml version="1.0" encoding="utf-8"?>
+<p:sld xmlns:a="http://schemas.openxmlformats.org/drawingml/2006/main" xmlns:r="http://schemas.openxmlformats.org/officeDocument/2006/relationships" xmlns:p="http://schemas.openxmlformats.org/presentationml/2006/main">
+  <p:cSld>
+    <p:spTree>
+      <p:nvGrpSpPr>
+        <p:cNvPr id="1" name=""/>
+        <p:cNvGrpSpPr/>
+        <p:nvPr/>
+      </p:nvGrpSpPr>
+      <p:grpSpPr>
+        <a:xfrm>
+          <a:off x="0" y="0"/>
+          <a:ext cx="0" cy="0"/>
+          <a:chOff x="0" y="0"/>
+          <a:chExt cx="0" cy="0"/>
+        </a:xfrm>
+      </p:grpSpPr>
+      <p:sp>
+        <p:nvSpPr>
+          <p:cNvPr id="4" name="제목 3">
+            <a:extLst>
+              <a:ext uri="{FF2B5EF4-FFF2-40B4-BE49-F238E27FC236}">
+                <a16:creationId xmlns:a16="http://schemas.microsoft.com/office/drawing/2014/main" id="{D3CF2B11-7BE6-43DA-BD88-2DB9E9FCB30A}"/>
+              </a:ext>
+            </a:extLst>
+          </p:cNvPr>
+          <p:cNvSpPr>
+            <a:spLocks noGrp="1"/>
+          </p:cNvSpPr>
+          <p:nvPr>
+            <p:ph type="title"/>
+          </p:nvPr>
+        </p:nvSpPr>
+        <p:spPr>
+          <a:xfrm>
+            <a:off x="646112" y="452718"/>
+            <a:ext cx="2323592" cy="688185"/>
+          </a:xfrm>
+        </p:spPr>
+        <p:txBody>
+          <a:bodyPr/>
+          <a:lstStyle/>
+          <a:p>
+            <a:r>
+              <a:rPr lang="ko-KR" altLang="en-US" sz="2800" b="1" dirty="0"/>
+              <a:t>화면 구현</a:t>
+            </a:r>
+          </a:p>
+        </p:txBody>
+      </p:sp>
+      <p:pic>
+        <p:nvPicPr>
+          <p:cNvPr id="3" name="그림 2">
+            <a:extLst>
+              <a:ext uri="{FF2B5EF4-FFF2-40B4-BE49-F238E27FC236}">
+                <a16:creationId xmlns:a16="http://schemas.microsoft.com/office/drawing/2014/main" id="{9A7D0C4A-777D-4377-A6E9-792FD9384EEA}"/>
+              </a:ext>
+            </a:extLst>
+          </p:cNvPr>
+          <p:cNvPicPr>
+            <a:picLocks noChangeAspect="1"/>
+          </p:cNvPicPr>
+          <p:nvPr/>
+        </p:nvPicPr>
+        <p:blipFill>
+          <a:blip r:embed="rId2"/>
+          <a:stretch>
+            <a:fillRect/>
+          </a:stretch>
+        </p:blipFill>
+        <p:spPr>
+          <a:xfrm>
+            <a:off x="6846064" y="3766732"/>
+            <a:ext cx="4902088" cy="2808213"/>
+          </a:xfrm>
+          <a:prstGeom prst="rect">
+            <a:avLst/>
+          </a:prstGeom>
+        </p:spPr>
+      </p:pic>
+      <p:pic>
+        <p:nvPicPr>
+          <p:cNvPr id="7" name="그림 6" descr="텍스트, 전자기기, 스크린샷이(가) 표시된 사진&#10;&#10;자동 생성된 설명">
+            <a:extLst>
+              <a:ext uri="{FF2B5EF4-FFF2-40B4-BE49-F238E27FC236}">
+                <a16:creationId xmlns:a16="http://schemas.microsoft.com/office/drawing/2014/main" id="{8A65CB98-C493-4C09-94CB-69887C6C79EF}"/>
+              </a:ext>
+            </a:extLst>
+          </p:cNvPr>
+          <p:cNvPicPr>
+            <a:picLocks noChangeAspect="1"/>
+          </p:cNvPicPr>
+          <p:nvPr/>
+        </p:nvPicPr>
+        <p:blipFill>
+          <a:blip r:embed="rId3"/>
+          <a:stretch>
+            <a:fillRect/>
+          </a:stretch>
+        </p:blipFill>
+        <p:spPr>
+          <a:xfrm>
+            <a:off x="337884" y="3766732"/>
+            <a:ext cx="4902088" cy="2808214"/>
+          </a:xfrm>
+          <a:prstGeom prst="rect">
+            <a:avLst/>
+          </a:prstGeom>
+        </p:spPr>
+      </p:pic>
+      <p:pic>
+        <p:nvPicPr>
+          <p:cNvPr id="10" name="그림 9">
+            <a:extLst>
+              <a:ext uri="{FF2B5EF4-FFF2-40B4-BE49-F238E27FC236}">
+                <a16:creationId xmlns:a16="http://schemas.microsoft.com/office/drawing/2014/main" id="{595FD747-4556-47FA-B41E-3C111CBA85B6}"/>
+              </a:ext>
+            </a:extLst>
+          </p:cNvPr>
+          <p:cNvPicPr>
+            <a:picLocks noChangeAspect="1"/>
+          </p:cNvPicPr>
+          <p:nvPr/>
+        </p:nvPicPr>
+        <p:blipFill>
+          <a:blip r:embed="rId4"/>
+          <a:stretch>
+            <a:fillRect/>
+          </a:stretch>
+        </p:blipFill>
+        <p:spPr>
+          <a:xfrm>
+            <a:off x="3644952" y="409688"/>
+            <a:ext cx="4902091" cy="2808215"/>
+          </a:xfrm>
+          <a:prstGeom prst="rect">
+            <a:avLst/>
+          </a:prstGeom>
+        </p:spPr>
+      </p:pic>
+      <p:sp>
+        <p:nvSpPr>
+          <p:cNvPr id="20" name="텍스트 개체 틀 4">
+            <a:extLst>
+              <a:ext uri="{FF2B5EF4-FFF2-40B4-BE49-F238E27FC236}">
+                <a16:creationId xmlns:a16="http://schemas.microsoft.com/office/drawing/2014/main" id="{CB4B1E10-9FDC-4337-8003-BA7E55A52311}"/>
+              </a:ext>
+            </a:extLst>
+          </p:cNvPr>
+          <p:cNvSpPr>
+            <a:spLocks noGrp="1"/>
+          </p:cNvSpPr>
+          <p:nvPr>
+            <p:ph sz="half" idx="1"/>
+          </p:nvPr>
+        </p:nvSpPr>
+        <p:spPr>
+          <a:xfrm>
+            <a:off x="1585464" y="2827802"/>
+            <a:ext cx="1543414" cy="601198"/>
+          </a:xfrm>
+        </p:spPr>
+        <p:txBody>
+          <a:bodyPr>
+            <a:normAutofit/>
+          </a:bodyPr>
+          <a:lstStyle/>
+          <a:p>
+            <a:pPr marL="0" indent="0" algn="ctr">
+              <a:buNone/>
+            </a:pPr>
+            <a:r>
+              <a:rPr lang="ko-KR" altLang="en-US" sz="2400" dirty="0">
+                <a:solidFill>
+                  <a:schemeClr val="bg2">
+                    <a:lumMod val="40000"/>
+                    <a:lumOff val="60000"/>
+                  </a:schemeClr>
+                </a:solidFill>
+              </a:rPr>
+              <a:t>▼ 로그인</a:t>
+            </a:r>
+            <a:endParaRPr lang="en-US" altLang="ko-KR" sz="2400" dirty="0">
+              <a:solidFill>
+                <a:schemeClr val="bg2">
+                  <a:lumMod val="40000"/>
+                  <a:lumOff val="60000"/>
+                </a:schemeClr>
+              </a:solidFill>
+            </a:endParaRPr>
+          </a:p>
+        </p:txBody>
+      </p:sp>
+      <p:sp>
+        <p:nvSpPr>
+          <p:cNvPr id="21" name="텍스트 개체 틀 4">
+            <a:extLst>
+              <a:ext uri="{FF2B5EF4-FFF2-40B4-BE49-F238E27FC236}">
+                <a16:creationId xmlns:a16="http://schemas.microsoft.com/office/drawing/2014/main" id="{80A0E34A-F6A7-4398-898B-BE122081C772}"/>
+              </a:ext>
+            </a:extLst>
+          </p:cNvPr>
+          <p:cNvSpPr txBox="1">
+            <a:spLocks/>
+          </p:cNvSpPr>
+          <p:nvPr/>
+        </p:nvSpPr>
+        <p:spPr>
+          <a:xfrm>
+            <a:off x="5002013" y="3264768"/>
+            <a:ext cx="2187967" cy="581735"/>
+          </a:xfrm>
+          <a:prstGeom prst="rect">
+            <a:avLst/>
+          </a:prstGeom>
+        </p:spPr>
+        <p:txBody>
+          <a:bodyPr vert="horz" lIns="91440" tIns="45720" rIns="91440" bIns="45720" rtlCol="0">
+            <a:noAutofit/>
+          </a:bodyPr>
+          <a:lstStyle>
+            <a:lvl1pPr marL="342900" indent="-342900" algn="l" defTabSz="457200" rtl="0" eaLnBrk="1" latinLnBrk="1" hangingPunct="1">
+              <a:spcBef>
+                <a:spcPts val="1000"/>
+              </a:spcBef>
+              <a:spcAft>
+                <a:spcPts val="0"/>
+              </a:spcAft>
+              <a:buClr>
+                <a:schemeClr val="bg2">
+                  <a:lumMod val="40000"/>
+                  <a:lumOff val="60000"/>
+                </a:schemeClr>
+              </a:buClr>
+              <a:buSzPct val="80000"/>
+              <a:buFont typeface="Wingdings 3" charset="2"/>
+              <a:buChar char=""/>
+              <a:defRPr sz="1800" b="0" i="0" kern="1200">
+                <a:solidFill>
+                  <a:schemeClr val="tx1"/>
+                </a:solidFill>
+                <a:latin typeface="+mj-lt"/>
+                <a:ea typeface="+mj-ea"/>
+                <a:cs typeface="+mj-cs"/>
+              </a:defRPr>
+            </a:lvl1pPr>
+            <a:lvl2pPr marL="742950" indent="-285750" algn="l" defTabSz="457200" rtl="0" eaLnBrk="1" latinLnBrk="1" hangingPunct="1">
+              <a:spcBef>
+                <a:spcPts val="1000"/>
+              </a:spcBef>
+              <a:spcAft>
+                <a:spcPts val="0"/>
+              </a:spcAft>
+              <a:buClr>
+                <a:schemeClr val="bg2">
+                  <a:lumMod val="40000"/>
+                  <a:lumOff val="60000"/>
+                </a:schemeClr>
+              </a:buClr>
+              <a:buSzPct val="80000"/>
+              <a:buFont typeface="Wingdings 3" charset="2"/>
+              <a:buChar char=""/>
+              <a:defRPr sz="1600" b="0" i="0" kern="1200">
+                <a:solidFill>
+                  <a:schemeClr val="tx1"/>
+                </a:solidFill>
+                <a:latin typeface="+mj-lt"/>
+                <a:ea typeface="+mj-ea"/>
+                <a:cs typeface="+mj-cs"/>
+              </a:defRPr>
+            </a:lvl2pPr>
+            <a:lvl3pPr marL="1143000" indent="-228600" algn="l" defTabSz="457200" rtl="0" eaLnBrk="1" latinLnBrk="1" hangingPunct="1">
+              <a:spcBef>
+                <a:spcPts val="1000"/>
+              </a:spcBef>
+              <a:spcAft>
+                <a:spcPts val="0"/>
+              </a:spcAft>
+              <a:buClr>
+                <a:schemeClr val="bg2">
+                  <a:lumMod val="40000"/>
+                  <a:lumOff val="60000"/>
+                </a:schemeClr>
+              </a:buClr>
+              <a:buSzPct val="80000"/>
+              <a:buFont typeface="Wingdings 3" charset="2"/>
+              <a:buChar char=""/>
+              <a:defRPr sz="1400" b="0" i="0" kern="1200">
+                <a:solidFill>
+                  <a:schemeClr val="tx1"/>
+                </a:solidFill>
+                <a:latin typeface="+mj-lt"/>
+                <a:ea typeface="+mj-ea"/>
+                <a:cs typeface="+mj-cs"/>
+              </a:defRPr>
+            </a:lvl3pPr>
+            <a:lvl4pPr marL="1600200" indent="-228600" algn="l" defTabSz="457200" rtl="0" eaLnBrk="1" latinLnBrk="1" hangingPunct="1">
+              <a:spcBef>
+                <a:spcPts val="1000"/>
+              </a:spcBef>
+              <a:spcAft>
+                <a:spcPts val="0"/>
+              </a:spcAft>
+              <a:buClr>
+                <a:schemeClr val="bg2">
+                  <a:lumMod val="40000"/>
+                  <a:lumOff val="60000"/>
+                </a:schemeClr>
+              </a:buClr>
+              <a:buSzPct val="80000"/>
+              <a:buFont typeface="Wingdings 3" charset="2"/>
+              <a:buChar char=""/>
+              <a:defRPr sz="1200" b="0" i="0" kern="1200">
+                <a:solidFill>
+                  <a:schemeClr val="tx1"/>
+                </a:solidFill>
+                <a:latin typeface="+mj-lt"/>
+                <a:ea typeface="+mj-ea"/>
+                <a:cs typeface="+mj-cs"/>
+              </a:defRPr>
+            </a:lvl4pPr>
+            <a:lvl5pPr marL="2057400" indent="-228600" algn="l" defTabSz="457200" rtl="0" eaLnBrk="1" latinLnBrk="1" hangingPunct="1">
+              <a:spcBef>
+                <a:spcPts val="1000"/>
+              </a:spcBef>
+              <a:spcAft>
+                <a:spcPts val="0"/>
+              </a:spcAft>
+              <a:buClr>
+                <a:schemeClr val="bg2">
+                  <a:lumMod val="40000"/>
+                  <a:lumOff val="60000"/>
+                </a:schemeClr>
+              </a:buClr>
+              <a:buSzPct val="80000"/>
+              <a:buFont typeface="Wingdings 3" charset="2"/>
+              <a:buChar char=""/>
+              <a:defRPr sz="1200" b="0" i="0" kern="1200">
+                <a:solidFill>
+                  <a:schemeClr val="tx1"/>
+                </a:solidFill>
+                <a:latin typeface="+mj-lt"/>
+                <a:ea typeface="+mj-ea"/>
+                <a:cs typeface="+mj-cs"/>
+              </a:defRPr>
+            </a:lvl5pPr>
+            <a:lvl6pPr marL="2506000" indent="-228600" algn="l" defTabSz="457200" rtl="0" eaLnBrk="1" latinLnBrk="1" hangingPunct="1">
+              <a:spcBef>
+                <a:spcPts val="1000"/>
+              </a:spcBef>
+              <a:spcAft>
+                <a:spcPts val="0"/>
+              </a:spcAft>
+              <a:buClr>
+                <a:schemeClr val="bg2">
+                  <a:lumMod val="40000"/>
+                  <a:lumOff val="60000"/>
+                </a:schemeClr>
+              </a:buClr>
+              <a:buSzPct val="80000"/>
+              <a:buFont typeface="Wingdings 3" charset="2"/>
+              <a:buChar char=""/>
+              <a:defRPr sz="1200" b="0" i="0" kern="1200">
+                <a:solidFill>
+                  <a:schemeClr val="tx1"/>
+                </a:solidFill>
+                <a:latin typeface="+mj-lt"/>
+                <a:ea typeface="+mj-ea"/>
+                <a:cs typeface="+mj-cs"/>
+              </a:defRPr>
+            </a:lvl6pPr>
+            <a:lvl7pPr marL="2971800" indent="-228600" algn="l" defTabSz="457200" rtl="0" eaLnBrk="1" latinLnBrk="1" hangingPunct="1">
+              <a:spcBef>
+                <a:spcPts val="1000"/>
+              </a:spcBef>
+              <a:spcAft>
+                <a:spcPts val="0"/>
+              </a:spcAft>
+              <a:buClr>
+                <a:schemeClr val="bg2">
+                  <a:lumMod val="40000"/>
+                  <a:lumOff val="60000"/>
+                </a:schemeClr>
+              </a:buClr>
+              <a:buSzPct val="80000"/>
+              <a:buFont typeface="Wingdings 3" charset="2"/>
+              <a:buChar char=""/>
+              <a:defRPr sz="1200" b="0" i="0" kern="1200">
+                <a:solidFill>
+                  <a:schemeClr val="tx1"/>
+                </a:solidFill>
+                <a:latin typeface="+mj-lt"/>
+                <a:ea typeface="+mj-ea"/>
+                <a:cs typeface="+mj-cs"/>
+              </a:defRPr>
+            </a:lvl7pPr>
+            <a:lvl8pPr marL="3429000" indent="-228600" algn="l" defTabSz="457200" rtl="0" eaLnBrk="1" latinLnBrk="1" hangingPunct="1">
+              <a:spcBef>
+                <a:spcPts val="1000"/>
+              </a:spcBef>
+              <a:spcAft>
+                <a:spcPts val="0"/>
+              </a:spcAft>
+              <a:buClr>
+                <a:schemeClr val="bg2">
+                  <a:lumMod val="40000"/>
+                  <a:lumOff val="60000"/>
+                </a:schemeClr>
+              </a:buClr>
+              <a:buSzPct val="80000"/>
+              <a:buFont typeface="Wingdings 3" charset="2"/>
+              <a:buChar char=""/>
+              <a:defRPr sz="1200" b="0" i="0" kern="1200">
+                <a:solidFill>
+                  <a:schemeClr val="tx1"/>
+                </a:solidFill>
+                <a:latin typeface="+mj-lt"/>
+                <a:ea typeface="+mj-ea"/>
+                <a:cs typeface="+mj-cs"/>
+              </a:defRPr>
+            </a:lvl8pPr>
+            <a:lvl9pPr marL="3886200" indent="-228600" algn="l" defTabSz="457200" rtl="0" eaLnBrk="1" latinLnBrk="1" hangingPunct="1">
+              <a:spcBef>
+                <a:spcPts val="1000"/>
+              </a:spcBef>
+              <a:spcAft>
+                <a:spcPts val="0"/>
+              </a:spcAft>
+              <a:buClr>
+                <a:schemeClr val="bg2">
+                  <a:lumMod val="40000"/>
+                  <a:lumOff val="60000"/>
+                </a:schemeClr>
+              </a:buClr>
+              <a:buSzPct val="80000"/>
+              <a:buFont typeface="Wingdings 3" charset="2"/>
+              <a:buChar char=""/>
+              <a:defRPr sz="1200" b="0" i="0" kern="1200">
+                <a:solidFill>
+                  <a:schemeClr val="tx1"/>
+                </a:solidFill>
+                <a:latin typeface="+mj-lt"/>
+                <a:ea typeface="+mj-ea"/>
+                <a:cs typeface="+mj-cs"/>
+              </a:defRPr>
+            </a:lvl9pPr>
+          </a:lstStyle>
+          <a:p>
+            <a:pPr marL="0" indent="0" algn="ctr">
+              <a:buFont typeface="Wingdings 3" charset="2"/>
+              <a:buNone/>
+            </a:pPr>
+            <a:r>
+              <a:rPr lang="ko-KR" altLang="en-US" sz="2400" dirty="0">
+                <a:solidFill>
+                  <a:schemeClr val="bg2">
+                    <a:lumMod val="40000"/>
+                    <a:lumOff val="60000"/>
+                  </a:schemeClr>
+                </a:solidFill>
+              </a:rPr>
+              <a:t>▲ 게시글 작성</a:t>
+            </a:r>
+            <a:endParaRPr lang="en-US" altLang="ko-KR" sz="2400" dirty="0">
+              <a:solidFill>
+                <a:schemeClr val="bg2">
+                  <a:lumMod val="40000"/>
+                  <a:lumOff val="60000"/>
+                </a:schemeClr>
+              </a:solidFill>
+            </a:endParaRPr>
+          </a:p>
+        </p:txBody>
+      </p:sp>
+      <p:sp>
+        <p:nvSpPr>
+          <p:cNvPr id="23" name="텍스트 개체 틀 4">
+            <a:extLst>
+              <a:ext uri="{FF2B5EF4-FFF2-40B4-BE49-F238E27FC236}">
+                <a16:creationId xmlns:a16="http://schemas.microsoft.com/office/drawing/2014/main" id="{69A638A3-925E-42C0-92E8-1530FED7C960}"/>
+              </a:ext>
+            </a:extLst>
+          </p:cNvPr>
+          <p:cNvSpPr txBox="1">
+            <a:spLocks/>
+          </p:cNvSpPr>
+          <p:nvPr/>
+        </p:nvSpPr>
+        <p:spPr>
+          <a:xfrm>
+            <a:off x="8955463" y="2847265"/>
+            <a:ext cx="1936299" cy="581735"/>
+          </a:xfrm>
+          <a:prstGeom prst="rect">
+            <a:avLst/>
+          </a:prstGeom>
+        </p:spPr>
+        <p:txBody>
+          <a:bodyPr vert="horz" lIns="91440" tIns="45720" rIns="91440" bIns="45720" rtlCol="0">
+            <a:normAutofit/>
+          </a:bodyPr>
+          <a:lstStyle>
+            <a:lvl1pPr marL="342900" indent="-342900" algn="l" defTabSz="457200" rtl="0" eaLnBrk="1" latinLnBrk="1" hangingPunct="1">
+              <a:spcBef>
+                <a:spcPts val="1000"/>
+              </a:spcBef>
+              <a:spcAft>
+                <a:spcPts val="0"/>
+              </a:spcAft>
+              <a:buClr>
+                <a:schemeClr val="bg2">
+                  <a:lumMod val="40000"/>
+                  <a:lumOff val="60000"/>
+                </a:schemeClr>
+              </a:buClr>
+              <a:buSzPct val="80000"/>
+              <a:buFont typeface="Wingdings 3" charset="2"/>
+              <a:buChar char=""/>
+              <a:defRPr sz="1800" b="0" i="0" kern="1200">
+                <a:solidFill>
+                  <a:schemeClr val="tx1"/>
+                </a:solidFill>
+                <a:latin typeface="+mj-lt"/>
+                <a:ea typeface="+mj-ea"/>
+                <a:cs typeface="+mj-cs"/>
+              </a:defRPr>
+            </a:lvl1pPr>
+            <a:lvl2pPr marL="742950" indent="-285750" algn="l" defTabSz="457200" rtl="0" eaLnBrk="1" latinLnBrk="1" hangingPunct="1">
+              <a:spcBef>
+                <a:spcPts val="1000"/>
+              </a:spcBef>
+              <a:spcAft>
+                <a:spcPts val="0"/>
+              </a:spcAft>
+              <a:buClr>
+                <a:schemeClr val="bg2">
+                  <a:lumMod val="40000"/>
+                  <a:lumOff val="60000"/>
+                </a:schemeClr>
+              </a:buClr>
+              <a:buSzPct val="80000"/>
+              <a:buFont typeface="Wingdings 3" charset="2"/>
+              <a:buChar char=""/>
+              <a:defRPr sz="1600" b="0" i="0" kern="1200">
+                <a:solidFill>
+                  <a:schemeClr val="tx1"/>
+                </a:solidFill>
+                <a:latin typeface="+mj-lt"/>
+                <a:ea typeface="+mj-ea"/>
+                <a:cs typeface="+mj-cs"/>
+              </a:defRPr>
+            </a:lvl2pPr>
+            <a:lvl3pPr marL="1143000" indent="-228600" algn="l" defTabSz="457200" rtl="0" eaLnBrk="1" latinLnBrk="1" hangingPunct="1">
+              <a:spcBef>
+                <a:spcPts val="1000"/>
+              </a:spcBef>
+              <a:spcAft>
+                <a:spcPts val="0"/>
+              </a:spcAft>
+              <a:buClr>
+                <a:schemeClr val="bg2">
+                  <a:lumMod val="40000"/>
+                  <a:lumOff val="60000"/>
+                </a:schemeClr>
+              </a:buClr>
+              <a:buSzPct val="80000"/>
+              <a:buFont typeface="Wingdings 3" charset="2"/>
+              <a:buChar char=""/>
+              <a:defRPr sz="1400" b="0" i="0" kern="1200">
+                <a:solidFill>
+                  <a:schemeClr val="tx1"/>
+                </a:solidFill>
+                <a:latin typeface="+mj-lt"/>
+                <a:ea typeface="+mj-ea"/>
+                <a:cs typeface="+mj-cs"/>
+              </a:defRPr>
+            </a:lvl3pPr>
+            <a:lvl4pPr marL="1600200" indent="-228600" algn="l" defTabSz="457200" rtl="0" eaLnBrk="1" latinLnBrk="1" hangingPunct="1">
+              <a:spcBef>
+                <a:spcPts val="1000"/>
+              </a:spcBef>
+              <a:spcAft>
+                <a:spcPts val="0"/>
+              </a:spcAft>
+              <a:buClr>
+                <a:schemeClr val="bg2">
+                  <a:lumMod val="40000"/>
+                  <a:lumOff val="60000"/>
+                </a:schemeClr>
+              </a:buClr>
+              <a:buSzPct val="80000"/>
+              <a:buFont typeface="Wingdings 3" charset="2"/>
+              <a:buChar char=""/>
+              <a:defRPr sz="1200" b="0" i="0" kern="1200">
+                <a:solidFill>
+                  <a:schemeClr val="tx1"/>
+                </a:solidFill>
+                <a:latin typeface="+mj-lt"/>
+                <a:ea typeface="+mj-ea"/>
+                <a:cs typeface="+mj-cs"/>
+              </a:defRPr>
+            </a:lvl4pPr>
+            <a:lvl5pPr marL="2057400" indent="-228600" algn="l" defTabSz="457200" rtl="0" eaLnBrk="1" latinLnBrk="1" hangingPunct="1">
+              <a:spcBef>
+                <a:spcPts val="1000"/>
+              </a:spcBef>
+              <a:spcAft>
+                <a:spcPts val="0"/>
+              </a:spcAft>
+              <a:buClr>
+                <a:schemeClr val="bg2">
+                  <a:lumMod val="40000"/>
+                  <a:lumOff val="60000"/>
+                </a:schemeClr>
+              </a:buClr>
+              <a:buSzPct val="80000"/>
+              <a:buFont typeface="Wingdings 3" charset="2"/>
+              <a:buChar char=""/>
+              <a:defRPr sz="1200" b="0" i="0" kern="1200">
+                <a:solidFill>
+                  <a:schemeClr val="tx1"/>
+                </a:solidFill>
+                <a:latin typeface="+mj-lt"/>
+                <a:ea typeface="+mj-ea"/>
+                <a:cs typeface="+mj-cs"/>
+              </a:defRPr>
+            </a:lvl5pPr>
+            <a:lvl6pPr marL="2506000" indent="-228600" algn="l" defTabSz="457200" rtl="0" eaLnBrk="1" latinLnBrk="1" hangingPunct="1">
+              <a:spcBef>
+                <a:spcPts val="1000"/>
+              </a:spcBef>
+              <a:spcAft>
+                <a:spcPts val="0"/>
+              </a:spcAft>
+              <a:buClr>
+                <a:schemeClr val="bg2">
+                  <a:lumMod val="40000"/>
+                  <a:lumOff val="60000"/>
+                </a:schemeClr>
+              </a:buClr>
+              <a:buSzPct val="80000"/>
+              <a:buFont typeface="Wingdings 3" charset="2"/>
+              <a:buChar char=""/>
+              <a:defRPr sz="1200" b="0" i="0" kern="1200">
+                <a:solidFill>
+                  <a:schemeClr val="tx1"/>
+                </a:solidFill>
+                <a:latin typeface="+mj-lt"/>
+                <a:ea typeface="+mj-ea"/>
+                <a:cs typeface="+mj-cs"/>
+              </a:defRPr>
+            </a:lvl6pPr>
+            <a:lvl7pPr marL="2971800" indent="-228600" algn="l" defTabSz="457200" rtl="0" eaLnBrk="1" latinLnBrk="1" hangingPunct="1">
+              <a:spcBef>
+                <a:spcPts val="1000"/>
+              </a:spcBef>
+              <a:spcAft>
+                <a:spcPts val="0"/>
+              </a:spcAft>
+              <a:buClr>
+                <a:schemeClr val="bg2">
+                  <a:lumMod val="40000"/>
+                  <a:lumOff val="60000"/>
+                </a:schemeClr>
+              </a:buClr>
+              <a:buSzPct val="80000"/>
+              <a:buFont typeface="Wingdings 3" charset="2"/>
+              <a:buChar char=""/>
+              <a:defRPr sz="1200" b="0" i="0" kern="1200">
+                <a:solidFill>
+                  <a:schemeClr val="tx1"/>
+                </a:solidFill>
+                <a:latin typeface="+mj-lt"/>
+                <a:ea typeface="+mj-ea"/>
+                <a:cs typeface="+mj-cs"/>
+              </a:defRPr>
+            </a:lvl7pPr>
+            <a:lvl8pPr marL="3429000" indent="-228600" algn="l" defTabSz="457200" rtl="0" eaLnBrk="1" latinLnBrk="1" hangingPunct="1">
+              <a:spcBef>
+                <a:spcPts val="1000"/>
+              </a:spcBef>
+              <a:spcAft>
+                <a:spcPts val="0"/>
+              </a:spcAft>
+              <a:buClr>
+                <a:schemeClr val="bg2">
+                  <a:lumMod val="40000"/>
+                  <a:lumOff val="60000"/>
+                </a:schemeClr>
+              </a:buClr>
+              <a:buSzPct val="80000"/>
+              <a:buFont typeface="Wingdings 3" charset="2"/>
+              <a:buChar char=""/>
+              <a:defRPr sz="1200" b="0" i="0" kern="1200">
+                <a:solidFill>
+                  <a:schemeClr val="tx1"/>
+                </a:solidFill>
+                <a:latin typeface="+mj-lt"/>
+                <a:ea typeface="+mj-ea"/>
+                <a:cs typeface="+mj-cs"/>
+              </a:defRPr>
+            </a:lvl8pPr>
+            <a:lvl9pPr marL="3886200" indent="-228600" algn="l" defTabSz="457200" rtl="0" eaLnBrk="1" latinLnBrk="1" hangingPunct="1">
+              <a:spcBef>
+                <a:spcPts val="1000"/>
+              </a:spcBef>
+              <a:spcAft>
+                <a:spcPts val="0"/>
+              </a:spcAft>
+              <a:buClr>
+                <a:schemeClr val="bg2">
+                  <a:lumMod val="40000"/>
+                  <a:lumOff val="60000"/>
+                </a:schemeClr>
+              </a:buClr>
+              <a:buSzPct val="80000"/>
+              <a:buFont typeface="Wingdings 3" charset="2"/>
+              <a:buChar char=""/>
+              <a:defRPr sz="1200" b="0" i="0" kern="1200">
+                <a:solidFill>
+                  <a:schemeClr val="tx1"/>
+                </a:solidFill>
+                <a:latin typeface="+mj-lt"/>
+                <a:ea typeface="+mj-ea"/>
+                <a:cs typeface="+mj-cs"/>
+              </a:defRPr>
+            </a:lvl9pPr>
+          </a:lstStyle>
+          <a:p>
+            <a:pPr marL="0" indent="0" algn="ctr">
+              <a:buFont typeface="Wingdings 3" charset="2"/>
+              <a:buNone/>
+            </a:pPr>
+            <a:r>
+              <a:rPr lang="ko-KR" altLang="en-US" sz="2400" dirty="0">
+                <a:solidFill>
+                  <a:schemeClr val="bg2">
+                    <a:lumMod val="40000"/>
+                    <a:lumOff val="60000"/>
+                  </a:schemeClr>
+                </a:solidFill>
+              </a:rPr>
+              <a:t>▼ 댓글 작성</a:t>
+            </a:r>
+            <a:endParaRPr lang="en-US" altLang="ko-KR" sz="2400" dirty="0">
+              <a:solidFill>
+                <a:schemeClr val="bg2">
+                  <a:lumMod val="40000"/>
+                  <a:lumOff val="60000"/>
+                </a:schemeClr>
+              </a:solidFill>
+            </a:endParaRPr>
+          </a:p>
+        </p:txBody>
+      </p:sp>
+    </p:spTree>
+    <p:extLst>
+      <p:ext uri="{BB962C8B-B14F-4D97-AF65-F5344CB8AC3E}">
+        <p14:creationId xmlns:p14="http://schemas.microsoft.com/office/powerpoint/2010/main" val="3274416542"/>
+      </p:ext>
+    </p:extLst>
+  </p:cSld>
+  <p:clrMapOvr>
+    <a:masterClrMapping/>
+  </p:clrMapOvr>
+</p:sld>
+</file>
+
+<file path=ppt/slides/slide8.xml><?xml version="1.0" encoding="utf-8"?>
+<p:sld xmlns:a="http://schemas.openxmlformats.org/drawingml/2006/main" xmlns:r="http://schemas.openxmlformats.org/officeDocument/2006/relationships" xmlns:p="http://schemas.openxmlformats.org/presentationml/2006/main">
+  <p:cSld>
+    <p:spTree>
+      <p:nvGrpSpPr>
+        <p:cNvPr id="1" name=""/>
+        <p:cNvGrpSpPr/>
+        <p:nvPr/>
+      </p:nvGrpSpPr>
+      <p:grpSpPr>
+        <a:xfrm>
+          <a:off x="0" y="0"/>
+          <a:ext cx="0" cy="0"/>
+          <a:chOff x="0" y="0"/>
+          <a:chExt cx="0" cy="0"/>
+        </a:xfrm>
+      </p:grpSpPr>
+      <p:sp>
+        <p:nvSpPr>
+          <p:cNvPr id="2" name="제목 1">
+            <a:extLst>
+              <a:ext uri="{FF2B5EF4-FFF2-40B4-BE49-F238E27FC236}">
+                <a16:creationId xmlns:a16="http://schemas.microsoft.com/office/drawing/2014/main" id="{C6AD332E-E6EA-40B3-B5B4-D7CA1861D9DC}"/>
+              </a:ext>
+            </a:extLst>
+          </p:cNvPr>
+          <p:cNvSpPr>
+            <a:spLocks noGrp="1"/>
+          </p:cNvSpPr>
+          <p:nvPr>
+            <p:ph type="title"/>
+          </p:nvPr>
+        </p:nvSpPr>
+        <p:spPr>
+          <a:xfrm>
+            <a:off x="1154953" y="1325461"/>
+            <a:ext cx="9549399" cy="943612"/>
+          </a:xfrm>
+        </p:spPr>
+        <p:txBody>
+          <a:bodyPr/>
+          <a:lstStyle/>
+          <a:p>
+            <a:r>
+              <a:rPr lang="ko-KR" altLang="en-US" sz="3200" dirty="0"/>
+              <a:t>설명은 이상입니다</a:t>
+            </a:r>
+            <a:r>
+              <a:rPr lang="en-US" altLang="ko-KR" sz="3200" dirty="0"/>
+              <a:t>. </a:t>
+            </a:r>
+            <a:r>
+              <a:rPr lang="ko-KR" altLang="en-US" sz="3200" dirty="0"/>
+              <a:t>관심을 </a:t>
+            </a:r>
+            <a:r>
+              <a:rPr lang="ko-KR" altLang="en-US" sz="3200" dirty="0" err="1"/>
+              <a:t>가져주셔서</a:t>
+            </a:r>
+            <a:r>
+              <a:rPr lang="ko-KR" altLang="en-US" sz="3200" dirty="0"/>
+              <a:t> 감사합니다</a:t>
+            </a:r>
+            <a:r>
+              <a:rPr lang="en-US" altLang="ko-KR" sz="3200" dirty="0"/>
+              <a:t>.</a:t>
+            </a:r>
+            <a:endParaRPr lang="ko-KR" altLang="en-US" sz="3200" dirty="0"/>
+          </a:p>
+        </p:txBody>
+      </p:sp>
+      <p:sp>
+        <p:nvSpPr>
+          <p:cNvPr id="3" name="텍스트 개체 틀 2">
+            <a:extLst>
+              <a:ext uri="{FF2B5EF4-FFF2-40B4-BE49-F238E27FC236}">
+                <a16:creationId xmlns:a16="http://schemas.microsoft.com/office/drawing/2014/main" id="{50710212-6741-4D71-B600-A0F72B72B59D}"/>
+              </a:ext>
+            </a:extLst>
+          </p:cNvPr>
+          <p:cNvSpPr>
+            <a:spLocks noGrp="1"/>
+          </p:cNvSpPr>
+          <p:nvPr>
+            <p:ph type="body" idx="1"/>
+          </p:nvPr>
+        </p:nvSpPr>
+        <p:spPr>
+          <a:xfrm>
+            <a:off x="1154953" y="2858623"/>
+            <a:ext cx="8825659" cy="2673916"/>
+          </a:xfrm>
+        </p:spPr>
+        <p:txBody>
+          <a:bodyPr>
+            <a:noAutofit/>
+          </a:bodyPr>
+          <a:lstStyle/>
+          <a:p>
+            <a:r>
+              <a:rPr lang="ko-KR" altLang="en-US" sz="2400" dirty="0"/>
+              <a:t>제작 인원 </a:t>
+            </a:r>
+            <a:r>
+              <a:rPr lang="en-US" altLang="ko-KR" sz="2400" dirty="0"/>
+              <a:t>: 1</a:t>
+            </a:r>
+            <a:r>
+              <a:rPr lang="ko-KR" altLang="en-US" sz="2400" dirty="0"/>
+              <a:t>인</a:t>
+            </a:r>
+            <a:endParaRPr lang="en-US" altLang="ko-KR" sz="2400" dirty="0"/>
+          </a:p>
+          <a:p>
+            <a:r>
+              <a:rPr lang="ko-KR" altLang="en-US" sz="2400" dirty="0"/>
+              <a:t>제작자 </a:t>
+            </a:r>
+            <a:r>
+              <a:rPr lang="en-US" altLang="ko-KR" sz="2400" dirty="0"/>
+              <a:t>: </a:t>
+            </a:r>
+            <a:r>
+              <a:rPr lang="ko-KR" altLang="en-US" sz="2400" dirty="0"/>
+              <a:t>최윤호</a:t>
+            </a:r>
+            <a:endParaRPr lang="en-US" altLang="ko-KR" sz="2400" dirty="0"/>
+          </a:p>
+          <a:p>
+            <a:r>
+              <a:rPr lang="ko-KR" altLang="en-US" sz="2400" dirty="0"/>
+              <a:t>연락처</a:t>
+            </a:r>
+            <a:endParaRPr lang="en-US" altLang="ko-KR" sz="2400" dirty="0"/>
+          </a:p>
+          <a:p>
+            <a:r>
+              <a:rPr lang="en-US" altLang="ko-KR" sz="2400" dirty="0"/>
+              <a:t>yunok96@naver.com	</a:t>
+            </a:r>
+          </a:p>
+          <a:p>
+            <a:r>
+              <a:rPr lang="en-US" altLang="ko-KR" sz="2400" dirty="0"/>
+              <a:t>010-7320-7123</a:t>
+            </a:r>
+            <a:endParaRPr lang="ko-KR" altLang="en-US" sz="2400" dirty="0"/>
+          </a:p>
+        </p:txBody>
+      </p:sp>
+    </p:spTree>
+    <p:extLst>
+      <p:ext uri="{BB962C8B-B14F-4D97-AF65-F5344CB8AC3E}">
+        <p14:creationId xmlns:p14="http://schemas.microsoft.com/office/powerpoint/2010/main" val="2525048863"/>
       </p:ext>
     </p:extLst>
   </p:cSld>
